--- a/lectures/9/2_Data Analysis Plan.pptx
+++ b/lectures/9/2_Data Analysis Plan.pptx
@@ -5,15 +5,20 @@
     <p:sldMasterId id="2147483648" r:id="rId4"/>
   </p:sldMasterIdLst>
   <p:notesMasterIdLst>
-    <p:notesMasterId r:id="rId8"/>
+    <p:notesMasterId r:id="rId13"/>
   </p:notesMasterIdLst>
   <p:handoutMasterIdLst>
-    <p:handoutMasterId r:id="rId9"/>
+    <p:handoutMasterId r:id="rId14"/>
   </p:handoutMasterIdLst>
   <p:sldIdLst>
-    <p:sldId id="256" r:id="rId5"/>
-    <p:sldId id="257" r:id="rId6"/>
-    <p:sldId id="258" r:id="rId7"/>
+    <p:sldId id="261" r:id="rId5"/>
+    <p:sldId id="262" r:id="rId6"/>
+    <p:sldId id="256" r:id="rId7"/>
+    <p:sldId id="257" r:id="rId8"/>
+    <p:sldId id="259" r:id="rId9"/>
+    <p:sldId id="260" r:id="rId10"/>
+    <p:sldId id="263" r:id="rId11"/>
+    <p:sldId id="258" r:id="rId12"/>
   </p:sldIdLst>
   <p:sldSz cx="12192000" cy="6858000"/>
   <p:notesSz cx="6858000" cy="9144000"/>
@@ -217,7 +222,7 @@
           <a:p>
             <a:fld id="{73B2889B-A0AC-4482-8592-5C96F2309420}" type="datetimeFigureOut">
               <a:rPr lang="en-US" smtClean="0"/>
-              <a:t>10/16/2021</a:t>
+              <a:t>10/17/2021</a:t>
             </a:fld>
             <a:endParaRPr lang="en-US"/>
           </a:p>
@@ -394,7 +399,7 @@
           <a:p>
             <a:fld id="{830EB223-FFC0-462A-A3B8-EAA7CE0F8CBD}" type="datetimeFigureOut">
               <a:rPr lang="en-US" smtClean="0"/>
-              <a:t>10/16/2021</a:t>
+              <a:t>10/17/2021</a:t>
             </a:fld>
             <a:endParaRPr lang="en-US" dirty="0"/>
           </a:p>
@@ -755,7 +760,7 @@
           <a:p>
             <a:fld id="{BC849E9A-41F7-4779-A581-48A7C374A227}" type="slidenum">
               <a:rPr lang="en-US" smtClean="0"/>
-              <a:t>2</a:t>
+              <a:t>4</a:t>
             </a:fld>
             <a:endParaRPr lang="en-US" dirty="0"/>
           </a:p>
@@ -765,6 +770,93 @@
     <p:extLst>
       <p:ext uri="{BB962C8B-B14F-4D97-AF65-F5344CB8AC3E}">
         <p14:creationId xmlns:p14="http://schemas.microsoft.com/office/powerpoint/2010/main" val="1232507913"/>
+      </p:ext>
+    </p:extLst>
+  </p:cSld>
+  <p:clrMapOvr>
+    <a:masterClrMapping/>
+  </p:clrMapOvr>
+</p:notes>
+</file>
+
+<file path=ppt/notesSlides/notesSlide2.xml><?xml version="1.0" encoding="utf-8"?>
+<p:notes xmlns:a="http://schemas.openxmlformats.org/drawingml/2006/main" xmlns:r="http://schemas.openxmlformats.org/officeDocument/2006/relationships" xmlns:p="http://schemas.openxmlformats.org/presentationml/2006/main">
+  <p:cSld>
+    <p:spTree>
+      <p:nvGrpSpPr>
+        <p:cNvPr id="1" name=""/>
+        <p:cNvGrpSpPr/>
+        <p:nvPr/>
+      </p:nvGrpSpPr>
+      <p:grpSpPr>
+        <a:xfrm>
+          <a:off x="0" y="0"/>
+          <a:ext cx="0" cy="0"/>
+          <a:chOff x="0" y="0"/>
+          <a:chExt cx="0" cy="0"/>
+        </a:xfrm>
+      </p:grpSpPr>
+      <p:sp>
+        <p:nvSpPr>
+          <p:cNvPr id="2" name="Slide Image Placeholder 1"/>
+          <p:cNvSpPr>
+            <a:spLocks noGrp="1" noRot="1" noChangeAspect="1"/>
+          </p:cNvSpPr>
+          <p:nvPr>
+            <p:ph type="sldImg"/>
+          </p:nvPr>
+        </p:nvSpPr>
+        <p:spPr/>
+      </p:sp>
+      <p:sp>
+        <p:nvSpPr>
+          <p:cNvPr id="3" name="Notes Placeholder 2"/>
+          <p:cNvSpPr>
+            <a:spLocks noGrp="1"/>
+          </p:cNvSpPr>
+          <p:nvPr>
+            <p:ph type="body" idx="1"/>
+          </p:nvPr>
+        </p:nvSpPr>
+        <p:spPr/>
+        <p:txBody>
+          <a:bodyPr/>
+          <a:lstStyle/>
+          <a:p>
+            <a:r>
+              <a:rPr lang="en-US" dirty="0"/>
+              <a:t>https://github.com/mikenguyen13/mar4050_F21/blob/master/project_assignment/data%20analysis%20plan%20grid.xlsx</a:t>
+            </a:r>
+          </a:p>
+        </p:txBody>
+      </p:sp>
+      <p:sp>
+        <p:nvSpPr>
+          <p:cNvPr id="4" name="Slide Number Placeholder 3"/>
+          <p:cNvSpPr>
+            <a:spLocks noGrp="1"/>
+          </p:cNvSpPr>
+          <p:nvPr>
+            <p:ph type="sldNum" sz="quarter" idx="5"/>
+          </p:nvPr>
+        </p:nvSpPr>
+        <p:spPr/>
+        <p:txBody>
+          <a:bodyPr/>
+          <a:lstStyle/>
+          <a:p>
+            <a:fld id="{BC849E9A-41F7-4779-A581-48A7C374A227}" type="slidenum">
+              <a:rPr lang="en-US" smtClean="0"/>
+              <a:t>5</a:t>
+            </a:fld>
+            <a:endParaRPr lang="en-US" dirty="0"/>
+          </a:p>
+        </p:txBody>
+      </p:sp>
+    </p:spTree>
+    <p:extLst>
+      <p:ext uri="{BB962C8B-B14F-4D97-AF65-F5344CB8AC3E}">
+        <p14:creationId xmlns:p14="http://schemas.microsoft.com/office/powerpoint/2010/main" val="1842581156"/>
       </p:ext>
     </p:extLst>
   </p:cSld>
@@ -921,7 +1013,7 @@
           <a:p>
             <a:fld id="{DECF21A4-E71B-4D3A-AF45-E989C23A7BB1}" type="datetimeFigureOut">
               <a:rPr lang="en-US" smtClean="0"/>
-              <a:t>10/16/2021</a:t>
+              <a:t>10/17/2021</a:t>
             </a:fld>
             <a:endParaRPr lang="en-US" dirty="0"/>
           </a:p>
@@ -1119,7 +1211,7 @@
           <a:p>
             <a:fld id="{DECF21A4-E71B-4D3A-AF45-E989C23A7BB1}" type="datetimeFigureOut">
               <a:rPr lang="en-US" smtClean="0"/>
-              <a:t>10/16/2021</a:t>
+              <a:t>10/17/2021</a:t>
             </a:fld>
             <a:endParaRPr lang="en-US" dirty="0"/>
           </a:p>
@@ -1327,7 +1419,7 @@
           <a:p>
             <a:fld id="{DECF21A4-E71B-4D3A-AF45-E989C23A7BB1}" type="datetimeFigureOut">
               <a:rPr lang="en-US" smtClean="0"/>
-              <a:t>10/16/2021</a:t>
+              <a:t>10/17/2021</a:t>
             </a:fld>
             <a:endParaRPr lang="en-US" dirty="0"/>
           </a:p>
@@ -1525,7 +1617,7 @@
           <a:p>
             <a:fld id="{DECF21A4-E71B-4D3A-AF45-E989C23A7BB1}" type="datetimeFigureOut">
               <a:rPr lang="en-US" smtClean="0"/>
-              <a:t>10/16/2021</a:t>
+              <a:t>10/17/2021</a:t>
             </a:fld>
             <a:endParaRPr lang="en-US" dirty="0"/>
           </a:p>
@@ -1800,7 +1892,7 @@
           <a:p>
             <a:fld id="{DECF21A4-E71B-4D3A-AF45-E989C23A7BB1}" type="datetimeFigureOut">
               <a:rPr lang="en-US" smtClean="0"/>
-              <a:t>10/16/2021</a:t>
+              <a:t>10/17/2021</a:t>
             </a:fld>
             <a:endParaRPr lang="en-US" dirty="0"/>
           </a:p>
@@ -2065,7 +2157,7 @@
           <a:p>
             <a:fld id="{DECF21A4-E71B-4D3A-AF45-E989C23A7BB1}" type="datetimeFigureOut">
               <a:rPr lang="en-US" smtClean="0"/>
-              <a:t>10/16/2021</a:t>
+              <a:t>10/17/2021</a:t>
             </a:fld>
             <a:endParaRPr lang="en-US" dirty="0"/>
           </a:p>
@@ -2477,7 +2569,7 @@
           <a:p>
             <a:fld id="{DECF21A4-E71B-4D3A-AF45-E989C23A7BB1}" type="datetimeFigureOut">
               <a:rPr lang="en-US" smtClean="0"/>
-              <a:t>10/16/2021</a:t>
+              <a:t>10/17/2021</a:t>
             </a:fld>
             <a:endParaRPr lang="en-US" dirty="0"/>
           </a:p>
@@ -2618,7 +2710,7 @@
           <a:p>
             <a:fld id="{DECF21A4-E71B-4D3A-AF45-E989C23A7BB1}" type="datetimeFigureOut">
               <a:rPr lang="en-US" smtClean="0"/>
-              <a:t>10/16/2021</a:t>
+              <a:t>10/17/2021</a:t>
             </a:fld>
             <a:endParaRPr lang="en-US" dirty="0"/>
           </a:p>
@@ -2731,7 +2823,7 @@
           <a:p>
             <a:fld id="{DECF21A4-E71B-4D3A-AF45-E989C23A7BB1}" type="datetimeFigureOut">
               <a:rPr lang="en-US" smtClean="0"/>
-              <a:t>10/16/2021</a:t>
+              <a:t>10/17/2021</a:t>
             </a:fld>
             <a:endParaRPr lang="en-US" dirty="0"/>
           </a:p>
@@ -3042,7 +3134,7 @@
           <a:p>
             <a:fld id="{DECF21A4-E71B-4D3A-AF45-E989C23A7BB1}" type="datetimeFigureOut">
               <a:rPr lang="en-US" smtClean="0"/>
-              <a:t>10/16/2021</a:t>
+              <a:t>10/17/2021</a:t>
             </a:fld>
             <a:endParaRPr lang="en-US" dirty="0"/>
           </a:p>
@@ -3334,7 +3426,7 @@
           <a:p>
             <a:fld id="{DECF21A4-E71B-4D3A-AF45-E989C23A7BB1}" type="datetimeFigureOut">
               <a:rPr lang="en-US" smtClean="0"/>
-              <a:t>10/16/2021</a:t>
+              <a:t>10/17/2021</a:t>
             </a:fld>
             <a:endParaRPr lang="en-US" dirty="0"/>
           </a:p>
@@ -3575,7 +3667,7 @@
           <a:p>
             <a:fld id="{DECF21A4-E71B-4D3A-AF45-E989C23A7BB1}" type="datetimeFigureOut">
               <a:rPr lang="en-US" smtClean="0"/>
-              <a:t>10/16/2021</a:t>
+              <a:t>10/17/2021</a:t>
             </a:fld>
             <a:endParaRPr lang="en-US" dirty="0"/>
           </a:p>
@@ -3981,6 +4073,885 @@
     <p:bg>
       <p:bgPr>
         <a:solidFill>
+          <a:schemeClr val="bg1"/>
+        </a:solidFill>
+        <a:effectLst/>
+      </p:bgPr>
+    </p:bg>
+    <p:spTree>
+      <p:nvGrpSpPr>
+        <p:cNvPr id="1" name=""/>
+        <p:cNvGrpSpPr/>
+        <p:nvPr/>
+      </p:nvGrpSpPr>
+      <p:grpSpPr>
+        <a:xfrm>
+          <a:off x="0" y="0"/>
+          <a:ext cx="0" cy="0"/>
+          <a:chOff x="0" y="0"/>
+          <a:chExt cx="0" cy="0"/>
+        </a:xfrm>
+      </p:grpSpPr>
+      <p:sp useBgFill="1">
+        <p:nvSpPr>
+          <p:cNvPr id="16" name="Rectangle 9">
+            <a:extLst>
+              <a:ext uri="{FF2B5EF4-FFF2-40B4-BE49-F238E27FC236}">
+                <a16:creationId xmlns:a16="http://schemas.microsoft.com/office/drawing/2014/main" id="{665DBBEF-238B-476B-96AB-8AAC3224ECEA}"/>
+              </a:ext>
+              <a:ext uri="{C183D7F6-B498-43B3-948B-1728B52AA6E4}">
+                <adec:decorative xmlns:adec="http://schemas.microsoft.com/office/drawing/2017/decorative" val="1"/>
+              </a:ext>
+            </a:extLst>
+          </p:cNvPr>
+          <p:cNvSpPr>
+            <a:spLocks noGrp="1" noRot="1" noChangeAspect="1" noMove="1" noResize="1" noEditPoints="1" noAdjustHandles="1" noChangeArrowheads="1" noChangeShapeType="1" noTextEdit="1"/>
+          </p:cNvSpPr>
+          <p:nvPr>
+            <p:extLst>
+              <p:ext uri="{386F3935-93C4-4BCD-93E2-E3B085C9AB24}">
+                <p16:designElem xmlns:p16="http://schemas.microsoft.com/office/powerpoint/2015/main" val="1"/>
+              </p:ext>
+            </p:extLst>
+          </p:nvPr>
+        </p:nvSpPr>
+        <p:spPr>
+          <a:xfrm>
+            <a:off x="0" y="0"/>
+            <a:ext cx="12192000" cy="6858000"/>
+          </a:xfrm>
+          <a:prstGeom prst="rect">
+            <a:avLst/>
+          </a:prstGeom>
+          <a:ln>
+            <a:noFill/>
+          </a:ln>
+        </p:spPr>
+        <p:style>
+          <a:lnRef idx="2">
+            <a:schemeClr val="accent1">
+              <a:shade val="50000"/>
+            </a:schemeClr>
+          </a:lnRef>
+          <a:fillRef idx="1">
+            <a:schemeClr val="accent1"/>
+          </a:fillRef>
+          <a:effectRef idx="0">
+            <a:schemeClr val="accent1"/>
+          </a:effectRef>
+          <a:fontRef idx="minor">
+            <a:schemeClr val="lt1"/>
+          </a:fontRef>
+        </p:style>
+        <p:txBody>
+          <a:bodyPr rtlCol="0" anchor="ctr"/>
+          <a:lstStyle/>
+          <a:p>
+            <a:pPr algn="ctr"/>
+            <a:endParaRPr lang="en-US"/>
+          </a:p>
+        </p:txBody>
+      </p:sp>
+      <p:sp>
+        <p:nvSpPr>
+          <p:cNvPr id="2" name="Title 1">
+            <a:extLst>
+              <a:ext uri="{FF2B5EF4-FFF2-40B4-BE49-F238E27FC236}">
+                <a16:creationId xmlns:a16="http://schemas.microsoft.com/office/drawing/2014/main" id="{B731C981-2C17-48F1-BDA0-6CF23A9BFE35}"/>
+              </a:ext>
+            </a:extLst>
+          </p:cNvPr>
+          <p:cNvSpPr>
+            <a:spLocks noGrp="1"/>
+          </p:cNvSpPr>
+          <p:nvPr>
+            <p:ph type="ctrTitle"/>
+          </p:nvPr>
+        </p:nvSpPr>
+        <p:spPr>
+          <a:xfrm>
+            <a:off x="638882" y="639193"/>
+            <a:ext cx="3571810" cy="3573516"/>
+          </a:xfrm>
+        </p:spPr>
+        <p:txBody>
+          <a:bodyPr>
+            <a:normAutofit/>
+          </a:bodyPr>
+          <a:lstStyle/>
+          <a:p>
+            <a:pPr algn="l"/>
+            <a:r>
+              <a:rPr lang="en-US" sz="5600"/>
+              <a:t>Happy Wednesday</a:t>
+            </a:r>
+          </a:p>
+        </p:txBody>
+      </p:sp>
+      <p:sp>
+        <p:nvSpPr>
+          <p:cNvPr id="3" name="Subtitle 2">
+            <a:extLst>
+              <a:ext uri="{FF2B5EF4-FFF2-40B4-BE49-F238E27FC236}">
+                <a16:creationId xmlns:a16="http://schemas.microsoft.com/office/drawing/2014/main" id="{2795FF60-43BB-4A94-B190-B50522A709B2}"/>
+              </a:ext>
+            </a:extLst>
+          </p:cNvPr>
+          <p:cNvSpPr>
+            <a:spLocks noGrp="1"/>
+          </p:cNvSpPr>
+          <p:nvPr>
+            <p:ph type="subTitle" idx="1"/>
+          </p:nvPr>
+        </p:nvSpPr>
+        <p:spPr>
+          <a:xfrm>
+            <a:off x="638882" y="4631161"/>
+            <a:ext cx="3571810" cy="1559327"/>
+          </a:xfrm>
+        </p:spPr>
+        <p:txBody>
+          <a:bodyPr>
+            <a:normAutofit/>
+          </a:bodyPr>
+          <a:lstStyle/>
+          <a:p>
+            <a:pPr algn="l"/>
+            <a:r>
+              <a:rPr lang="en-US"/>
+              <a:t>Take your name tag </a:t>
+            </a:r>
+          </a:p>
+          <a:p>
+            <a:pPr algn="l"/>
+            <a:r>
+              <a:rPr lang="en-US"/>
+              <a:t>Check-in </a:t>
+            </a:r>
+          </a:p>
+        </p:txBody>
+      </p:sp>
+      <p:sp>
+        <p:nvSpPr>
+          <p:cNvPr id="17" name="sketch line">
+            <a:extLst>
+              <a:ext uri="{FF2B5EF4-FFF2-40B4-BE49-F238E27FC236}">
+                <a16:creationId xmlns:a16="http://schemas.microsoft.com/office/drawing/2014/main" id="{3FCFB1DE-0B7E-48CC-BA90-B2AB0889F9D6}"/>
+              </a:ext>
+              <a:ext uri="{C183D7F6-B498-43B3-948B-1728B52AA6E4}">
+                <adec:decorative xmlns:adec="http://schemas.microsoft.com/office/drawing/2017/decorative" val="1"/>
+              </a:ext>
+            </a:extLst>
+          </p:cNvPr>
+          <p:cNvSpPr>
+            <a:spLocks noGrp="1" noRot="1" noChangeAspect="1" noMove="1" noResize="1" noEditPoints="1" noAdjustHandles="1" noChangeArrowheads="1" noChangeShapeType="1" noTextEdit="1"/>
+          </p:cNvSpPr>
+          <p:nvPr>
+            <p:extLst>
+              <p:ext uri="{386F3935-93C4-4BCD-93E2-E3B085C9AB24}">
+                <p16:designElem xmlns:p16="http://schemas.microsoft.com/office/powerpoint/2015/main" val="1"/>
+              </p:ext>
+            </p:extLst>
+          </p:nvPr>
+        </p:nvSpPr>
+        <p:spPr>
+          <a:xfrm>
+            <a:off x="643278" y="4409267"/>
+            <a:ext cx="3255095" cy="18288"/>
+          </a:xfrm>
+          <a:custGeom>
+            <a:avLst/>
+            <a:gdLst>
+              <a:gd name="connsiteX0" fmla="*/ 0 w 3255095"/>
+              <a:gd name="connsiteY0" fmla="*/ 0 h 18288"/>
+              <a:gd name="connsiteX1" fmla="*/ 618468 w 3255095"/>
+              <a:gd name="connsiteY1" fmla="*/ 0 h 18288"/>
+              <a:gd name="connsiteX2" fmla="*/ 1269487 w 3255095"/>
+              <a:gd name="connsiteY2" fmla="*/ 0 h 18288"/>
+              <a:gd name="connsiteX3" fmla="*/ 1953057 w 3255095"/>
+              <a:gd name="connsiteY3" fmla="*/ 0 h 18288"/>
+              <a:gd name="connsiteX4" fmla="*/ 2636627 w 3255095"/>
+              <a:gd name="connsiteY4" fmla="*/ 0 h 18288"/>
+              <a:gd name="connsiteX5" fmla="*/ 3255095 w 3255095"/>
+              <a:gd name="connsiteY5" fmla="*/ 0 h 18288"/>
+              <a:gd name="connsiteX6" fmla="*/ 3255095 w 3255095"/>
+              <a:gd name="connsiteY6" fmla="*/ 18288 h 18288"/>
+              <a:gd name="connsiteX7" fmla="*/ 2538974 w 3255095"/>
+              <a:gd name="connsiteY7" fmla="*/ 18288 h 18288"/>
+              <a:gd name="connsiteX8" fmla="*/ 1822853 w 3255095"/>
+              <a:gd name="connsiteY8" fmla="*/ 18288 h 18288"/>
+              <a:gd name="connsiteX9" fmla="*/ 1171834 w 3255095"/>
+              <a:gd name="connsiteY9" fmla="*/ 18288 h 18288"/>
+              <a:gd name="connsiteX10" fmla="*/ 0 w 3255095"/>
+              <a:gd name="connsiteY10" fmla="*/ 18288 h 18288"/>
+              <a:gd name="connsiteX11" fmla="*/ 0 w 3255095"/>
+              <a:gd name="connsiteY11" fmla="*/ 0 h 18288"/>
+            </a:gdLst>
+            <a:ahLst/>
+            <a:cxnLst>
+              <a:cxn ang="0">
+                <a:pos x="connsiteX0" y="connsiteY0"/>
+              </a:cxn>
+              <a:cxn ang="0">
+                <a:pos x="connsiteX1" y="connsiteY1"/>
+              </a:cxn>
+              <a:cxn ang="0">
+                <a:pos x="connsiteX2" y="connsiteY2"/>
+              </a:cxn>
+              <a:cxn ang="0">
+                <a:pos x="connsiteX3" y="connsiteY3"/>
+              </a:cxn>
+              <a:cxn ang="0">
+                <a:pos x="connsiteX4" y="connsiteY4"/>
+              </a:cxn>
+              <a:cxn ang="0">
+                <a:pos x="connsiteX5" y="connsiteY5"/>
+              </a:cxn>
+              <a:cxn ang="0">
+                <a:pos x="connsiteX6" y="connsiteY6"/>
+              </a:cxn>
+              <a:cxn ang="0">
+                <a:pos x="connsiteX7" y="connsiteY7"/>
+              </a:cxn>
+              <a:cxn ang="0">
+                <a:pos x="connsiteX8" y="connsiteY8"/>
+              </a:cxn>
+              <a:cxn ang="0">
+                <a:pos x="connsiteX9" y="connsiteY9"/>
+              </a:cxn>
+              <a:cxn ang="0">
+                <a:pos x="connsiteX10" y="connsiteY10"/>
+              </a:cxn>
+              <a:cxn ang="0">
+                <a:pos x="connsiteX11" y="connsiteY11"/>
+              </a:cxn>
+            </a:cxnLst>
+            <a:rect l="l" t="t" r="r" b="b"/>
+            <a:pathLst>
+              <a:path w="3255095" h="18288" fill="none" extrusionOk="0">
+                <a:moveTo>
+                  <a:pt x="0" y="0"/>
+                </a:moveTo>
+                <a:cubicBezTo>
+                  <a:pt x="240201" y="-22123"/>
+                  <a:pt x="462021" y="-19623"/>
+                  <a:pt x="618468" y="0"/>
+                </a:cubicBezTo>
+                <a:cubicBezTo>
+                  <a:pt x="774915" y="19623"/>
+                  <a:pt x="974734" y="2035"/>
+                  <a:pt x="1269487" y="0"/>
+                </a:cubicBezTo>
+                <a:cubicBezTo>
+                  <a:pt x="1564240" y="-2035"/>
+                  <a:pt x="1733579" y="10639"/>
+                  <a:pt x="1953057" y="0"/>
+                </a:cubicBezTo>
+                <a:cubicBezTo>
+                  <a:pt x="2172535" y="-10639"/>
+                  <a:pt x="2453962" y="14018"/>
+                  <a:pt x="2636627" y="0"/>
+                </a:cubicBezTo>
+                <a:cubicBezTo>
+                  <a:pt x="2819292" y="-14018"/>
+                  <a:pt x="3121375" y="5399"/>
+                  <a:pt x="3255095" y="0"/>
+                </a:cubicBezTo>
+                <a:cubicBezTo>
+                  <a:pt x="3254386" y="8157"/>
+                  <a:pt x="3254682" y="12125"/>
+                  <a:pt x="3255095" y="18288"/>
+                </a:cubicBezTo>
+                <a:cubicBezTo>
+                  <a:pt x="3088545" y="23203"/>
+                  <a:pt x="2687475" y="7419"/>
+                  <a:pt x="2538974" y="18288"/>
+                </a:cubicBezTo>
+                <a:cubicBezTo>
+                  <a:pt x="2390473" y="29157"/>
+                  <a:pt x="2137381" y="-8959"/>
+                  <a:pt x="1822853" y="18288"/>
+                </a:cubicBezTo>
+                <a:cubicBezTo>
+                  <a:pt x="1508325" y="45535"/>
+                  <a:pt x="1466437" y="20385"/>
+                  <a:pt x="1171834" y="18288"/>
+                </a:cubicBezTo>
+                <a:cubicBezTo>
+                  <a:pt x="877231" y="16191"/>
+                  <a:pt x="561097" y="37643"/>
+                  <a:pt x="0" y="18288"/>
+                </a:cubicBezTo>
+                <a:cubicBezTo>
+                  <a:pt x="-46" y="12483"/>
+                  <a:pt x="-203" y="6491"/>
+                  <a:pt x="0" y="0"/>
+                </a:cubicBezTo>
+                <a:close/>
+              </a:path>
+              <a:path w="3255095" h="18288" stroke="0" extrusionOk="0">
+                <a:moveTo>
+                  <a:pt x="0" y="0"/>
+                </a:moveTo>
+                <a:cubicBezTo>
+                  <a:pt x="291965" y="19429"/>
+                  <a:pt x="363155" y="8568"/>
+                  <a:pt x="618468" y="0"/>
+                </a:cubicBezTo>
+                <a:cubicBezTo>
+                  <a:pt x="873781" y="-8568"/>
+                  <a:pt x="904459" y="-19505"/>
+                  <a:pt x="1171834" y="0"/>
+                </a:cubicBezTo>
+                <a:cubicBezTo>
+                  <a:pt x="1439209" y="19505"/>
+                  <a:pt x="1744369" y="9790"/>
+                  <a:pt x="1887955" y="0"/>
+                </a:cubicBezTo>
+                <a:cubicBezTo>
+                  <a:pt x="2031541" y="-9790"/>
+                  <a:pt x="2346378" y="21240"/>
+                  <a:pt x="2506423" y="0"/>
+                </a:cubicBezTo>
+                <a:cubicBezTo>
+                  <a:pt x="2666468" y="-21240"/>
+                  <a:pt x="2990257" y="30414"/>
+                  <a:pt x="3255095" y="0"/>
+                </a:cubicBezTo>
+                <a:cubicBezTo>
+                  <a:pt x="3254831" y="4493"/>
+                  <a:pt x="3255479" y="9472"/>
+                  <a:pt x="3255095" y="18288"/>
+                </a:cubicBezTo>
+                <a:cubicBezTo>
+                  <a:pt x="3120743" y="16690"/>
+                  <a:pt x="2759628" y="42462"/>
+                  <a:pt x="2604076" y="18288"/>
+                </a:cubicBezTo>
+                <a:cubicBezTo>
+                  <a:pt x="2448524" y="-5886"/>
+                  <a:pt x="2184336" y="19599"/>
+                  <a:pt x="1887955" y="18288"/>
+                </a:cubicBezTo>
+                <a:cubicBezTo>
+                  <a:pt x="1591574" y="16977"/>
+                  <a:pt x="1548845" y="6870"/>
+                  <a:pt x="1334589" y="18288"/>
+                </a:cubicBezTo>
+                <a:cubicBezTo>
+                  <a:pt x="1120333" y="29706"/>
+                  <a:pt x="996014" y="9662"/>
+                  <a:pt x="683570" y="18288"/>
+                </a:cubicBezTo>
+                <a:cubicBezTo>
+                  <a:pt x="371126" y="26914"/>
+                  <a:pt x="198687" y="16167"/>
+                  <a:pt x="0" y="18288"/>
+                </a:cubicBezTo>
+                <a:cubicBezTo>
+                  <a:pt x="843" y="9577"/>
+                  <a:pt x="371" y="6900"/>
+                  <a:pt x="0" y="0"/>
+                </a:cubicBezTo>
+                <a:close/>
+              </a:path>
+            </a:pathLst>
+          </a:custGeom>
+          <a:solidFill>
+            <a:schemeClr val="accent2"/>
+          </a:solidFill>
+          <a:ln w="38100" cap="rnd">
+            <a:solidFill>
+              <a:schemeClr val="accent2"/>
+            </a:solidFill>
+            <a:round/>
+            <a:extLst>
+              <a:ext uri="{C807C97D-BFC1-408E-A445-0C87EB9F89A2}">
+                <ask:lineSketchStyleProps xmlns:ask="http://schemas.microsoft.com/office/drawing/2018/sketchyshapes" sd="1219033472">
+                  <a:prstGeom prst="rect">
+                    <a:avLst/>
+                  </a:prstGeom>
+                  <ask:type>
+                    <ask:lineSketchFreehand/>
+                  </ask:type>
+                </ask:lineSketchStyleProps>
+              </a:ext>
+            </a:extLst>
+          </a:ln>
+        </p:spPr>
+        <p:style>
+          <a:lnRef idx="2">
+            <a:schemeClr val="accent1">
+              <a:shade val="50000"/>
+            </a:schemeClr>
+          </a:lnRef>
+          <a:fillRef idx="1">
+            <a:schemeClr val="accent1"/>
+          </a:fillRef>
+          <a:effectRef idx="0">
+            <a:schemeClr val="accent1"/>
+          </a:effectRef>
+          <a:fontRef idx="minor">
+            <a:schemeClr val="lt1"/>
+          </a:fontRef>
+        </p:style>
+        <p:txBody>
+          <a:bodyPr rtlCol="0" anchor="ctr"/>
+          <a:lstStyle/>
+          <a:p>
+            <a:pPr algn="ctr"/>
+            <a:endParaRPr lang="en-US"/>
+          </a:p>
+        </p:txBody>
+      </p:sp>
+      <p:pic>
+        <p:nvPicPr>
+          <p:cNvPr id="5" name="Picture 4" descr="A picture containing text, newspaper, book, sign&#10;&#10;Description automatically generated">
+            <a:extLst>
+              <a:ext uri="{FF2B5EF4-FFF2-40B4-BE49-F238E27FC236}">
+                <a16:creationId xmlns:a16="http://schemas.microsoft.com/office/drawing/2014/main" id="{A75781AC-6603-4975-A8EF-8C096938EEF6}"/>
+              </a:ext>
+            </a:extLst>
+          </p:cNvPr>
+          <p:cNvPicPr>
+            <a:picLocks noChangeAspect="1"/>
+          </p:cNvPicPr>
+          <p:nvPr/>
+        </p:nvPicPr>
+        <p:blipFill>
+          <a:blip r:embed="rId2">
+            <a:extLst>
+              <a:ext uri="{28A0092B-C50C-407E-A947-70E740481C1C}">
+                <a14:useLocalDpi xmlns:a14="http://schemas.microsoft.com/office/drawing/2010/main" val="0"/>
+              </a:ext>
+              <a:ext uri="{837473B0-CC2E-450A-ABE3-18F120FF3D39}">
+                <a1611:picAttrSrcUrl xmlns:a1611="http://schemas.microsoft.com/office/drawing/2016/11/main" r:id="rId3"/>
+              </a:ext>
+            </a:extLst>
+          </a:blip>
+          <a:stretch>
+            <a:fillRect/>
+          </a:stretch>
+        </p:blipFill>
+        <p:spPr>
+          <a:xfrm>
+            <a:off x="4654296" y="664712"/>
+            <a:ext cx="7214616" cy="5501144"/>
+          </a:xfrm>
+          <a:prstGeom prst="rect">
+            <a:avLst/>
+          </a:prstGeom>
+        </p:spPr>
+      </p:pic>
+    </p:spTree>
+    <p:extLst>
+      <p:ext uri="{BB962C8B-B14F-4D97-AF65-F5344CB8AC3E}">
+        <p14:creationId xmlns:p14="http://schemas.microsoft.com/office/powerpoint/2010/main" val="3701423454"/>
+      </p:ext>
+    </p:extLst>
+  </p:cSld>
+  <p:clrMapOvr>
+    <a:masterClrMapping/>
+  </p:clrMapOvr>
+</p:sld>
+</file>
+
+<file path=ppt/slides/slide2.xml><?xml version="1.0" encoding="utf-8"?>
+<p:sld xmlns:a="http://schemas.openxmlformats.org/drawingml/2006/main" xmlns:r="http://schemas.openxmlformats.org/officeDocument/2006/relationships" xmlns:p="http://schemas.openxmlformats.org/presentationml/2006/main">
+  <p:cSld>
+    <p:bg>
+      <p:bgPr>
+        <a:solidFill>
+          <a:schemeClr val="bg1"/>
+        </a:solidFill>
+        <a:effectLst/>
+      </p:bgPr>
+    </p:bg>
+    <p:spTree>
+      <p:nvGrpSpPr>
+        <p:cNvPr id="1" name=""/>
+        <p:cNvGrpSpPr/>
+        <p:nvPr/>
+      </p:nvGrpSpPr>
+      <p:grpSpPr>
+        <a:xfrm>
+          <a:off x="0" y="0"/>
+          <a:ext cx="0" cy="0"/>
+          <a:chOff x="0" y="0"/>
+          <a:chExt cx="0" cy="0"/>
+        </a:xfrm>
+      </p:grpSpPr>
+      <p:sp useBgFill="1">
+        <p:nvSpPr>
+          <p:cNvPr id="8" name="Rectangle 7">
+            <a:extLst>
+              <a:ext uri="{FF2B5EF4-FFF2-40B4-BE49-F238E27FC236}">
+                <a16:creationId xmlns:a16="http://schemas.microsoft.com/office/drawing/2014/main" id="{907EF6B7-1338-4443-8C46-6A318D952DFD}"/>
+              </a:ext>
+              <a:ext uri="{C183D7F6-B498-43B3-948B-1728B52AA6E4}">
+                <adec:decorative xmlns:adec="http://schemas.microsoft.com/office/drawing/2017/decorative" val="1"/>
+              </a:ext>
+            </a:extLst>
+          </p:cNvPr>
+          <p:cNvSpPr>
+            <a:spLocks noGrp="1" noRot="1" noChangeAspect="1" noMove="1" noResize="1" noEditPoints="1" noAdjustHandles="1" noChangeArrowheads="1" noChangeShapeType="1" noTextEdit="1"/>
+          </p:cNvSpPr>
+          <p:nvPr>
+            <p:extLst>
+              <p:ext uri="{386F3935-93C4-4BCD-93E2-E3B085C9AB24}">
+                <p16:designElem xmlns:p16="http://schemas.microsoft.com/office/powerpoint/2015/main" val="1"/>
+              </p:ext>
+            </p:extLst>
+          </p:nvPr>
+        </p:nvSpPr>
+        <p:spPr>
+          <a:xfrm>
+            <a:off x="3048" y="0"/>
+            <a:ext cx="12188952" cy="6858000"/>
+          </a:xfrm>
+          <a:prstGeom prst="rect">
+            <a:avLst/>
+          </a:prstGeom>
+          <a:ln>
+            <a:noFill/>
+          </a:ln>
+        </p:spPr>
+        <p:style>
+          <a:lnRef idx="2">
+            <a:schemeClr val="accent1">
+              <a:shade val="50000"/>
+            </a:schemeClr>
+          </a:lnRef>
+          <a:fillRef idx="1">
+            <a:schemeClr val="accent1"/>
+          </a:fillRef>
+          <a:effectRef idx="0">
+            <a:schemeClr val="accent1"/>
+          </a:effectRef>
+          <a:fontRef idx="minor">
+            <a:schemeClr val="lt1"/>
+          </a:fontRef>
+        </p:style>
+        <p:txBody>
+          <a:bodyPr rtlCol="0" anchor="ctr"/>
+          <a:lstStyle/>
+          <a:p>
+            <a:pPr algn="ctr"/>
+            <a:endParaRPr lang="en-US"/>
+          </a:p>
+        </p:txBody>
+      </p:sp>
+      <p:sp>
+        <p:nvSpPr>
+          <p:cNvPr id="10" name="Freeform: Shape 9">
+            <a:extLst>
+              <a:ext uri="{FF2B5EF4-FFF2-40B4-BE49-F238E27FC236}">
+                <a16:creationId xmlns:a16="http://schemas.microsoft.com/office/drawing/2014/main" id="{DAAE4CDD-124C-4DCF-9584-B6033B545DD5}"/>
+              </a:ext>
+              <a:ext uri="{C183D7F6-B498-43B3-948B-1728B52AA6E4}">
+                <adec:decorative xmlns:adec="http://schemas.microsoft.com/office/drawing/2017/decorative" val="1"/>
+              </a:ext>
+            </a:extLst>
+          </p:cNvPr>
+          <p:cNvSpPr>
+            <a:spLocks noGrp="1" noRot="1" noChangeAspect="1" noMove="1" noResize="1" noEditPoints="1" noAdjustHandles="1" noChangeArrowheads="1" noChangeShapeType="1" noTextEdit="1"/>
+          </p:cNvSpPr>
+          <p:nvPr>
+            <p:extLst>
+              <p:ext uri="{386F3935-93C4-4BCD-93E2-E3B085C9AB24}">
+                <p16:designElem xmlns:p16="http://schemas.microsoft.com/office/powerpoint/2015/main" val="1"/>
+              </p:ext>
+            </p:extLst>
+          </p:nvPr>
+        </p:nvSpPr>
+        <p:spPr>
+          <a:xfrm>
+            <a:off x="1" y="0"/>
+            <a:ext cx="4167271" cy="6858000"/>
+          </a:xfrm>
+          <a:custGeom>
+            <a:avLst/>
+            <a:gdLst>
+              <a:gd name="connsiteX0" fmla="*/ 0 w 4167271"/>
+              <a:gd name="connsiteY0" fmla="*/ 0 h 6858000"/>
+              <a:gd name="connsiteX1" fmla="*/ 2259550 w 4167271"/>
+              <a:gd name="connsiteY1" fmla="*/ 0 h 6858000"/>
+              <a:gd name="connsiteX2" fmla="*/ 2387803 w 4167271"/>
+              <a:gd name="connsiteY2" fmla="*/ 82222 h 6858000"/>
+              <a:gd name="connsiteX3" fmla="*/ 4167271 w 4167271"/>
+              <a:gd name="connsiteY3" fmla="*/ 3429000 h 6858000"/>
+              <a:gd name="connsiteX4" fmla="*/ 2387803 w 4167271"/>
+              <a:gd name="connsiteY4" fmla="*/ 6775779 h 6858000"/>
+              <a:gd name="connsiteX5" fmla="*/ 2259550 w 4167271"/>
+              <a:gd name="connsiteY5" fmla="*/ 6858000 h 6858000"/>
+              <a:gd name="connsiteX6" fmla="*/ 0 w 4167271"/>
+              <a:gd name="connsiteY6" fmla="*/ 6858000 h 6858000"/>
+            </a:gdLst>
+            <a:ahLst/>
+            <a:cxnLst>
+              <a:cxn ang="0">
+                <a:pos x="connsiteX0" y="connsiteY0"/>
+              </a:cxn>
+              <a:cxn ang="0">
+                <a:pos x="connsiteX1" y="connsiteY1"/>
+              </a:cxn>
+              <a:cxn ang="0">
+                <a:pos x="connsiteX2" y="connsiteY2"/>
+              </a:cxn>
+              <a:cxn ang="0">
+                <a:pos x="connsiteX3" y="connsiteY3"/>
+              </a:cxn>
+              <a:cxn ang="0">
+                <a:pos x="connsiteX4" y="connsiteY4"/>
+              </a:cxn>
+              <a:cxn ang="0">
+                <a:pos x="connsiteX5" y="connsiteY5"/>
+              </a:cxn>
+              <a:cxn ang="0">
+                <a:pos x="connsiteX6" y="connsiteY6"/>
+              </a:cxn>
+            </a:cxnLst>
+            <a:rect l="l" t="t" r="r" b="b"/>
+            <a:pathLst>
+              <a:path w="4167271" h="6858000">
+                <a:moveTo>
+                  <a:pt x="0" y="0"/>
+                </a:moveTo>
+                <a:lnTo>
+                  <a:pt x="2259550" y="0"/>
+                </a:lnTo>
+                <a:lnTo>
+                  <a:pt x="2387803" y="82222"/>
+                </a:lnTo>
+                <a:cubicBezTo>
+                  <a:pt x="3461407" y="807534"/>
+                  <a:pt x="4167271" y="2035835"/>
+                  <a:pt x="4167271" y="3429000"/>
+                </a:cubicBezTo>
+                <a:cubicBezTo>
+                  <a:pt x="4167271" y="4822165"/>
+                  <a:pt x="3461407" y="6050467"/>
+                  <a:pt x="2387803" y="6775779"/>
+                </a:cubicBezTo>
+                <a:lnTo>
+                  <a:pt x="2259550" y="6858000"/>
+                </a:lnTo>
+                <a:lnTo>
+                  <a:pt x="0" y="6858000"/>
+                </a:lnTo>
+                <a:close/>
+              </a:path>
+            </a:pathLst>
+          </a:custGeom>
+          <a:solidFill>
+            <a:schemeClr val="accent2"/>
+          </a:solidFill>
+          <a:ln>
+            <a:noFill/>
+          </a:ln>
+        </p:spPr>
+        <p:style>
+          <a:lnRef idx="2">
+            <a:schemeClr val="accent1">
+              <a:shade val="50000"/>
+            </a:schemeClr>
+          </a:lnRef>
+          <a:fillRef idx="1">
+            <a:schemeClr val="accent1"/>
+          </a:fillRef>
+          <a:effectRef idx="0">
+            <a:schemeClr val="accent1"/>
+          </a:effectRef>
+          <a:fontRef idx="minor">
+            <a:schemeClr val="lt1"/>
+          </a:fontRef>
+        </p:style>
+        <p:txBody>
+          <a:bodyPr rtlCol="0" anchor="ctr"/>
+          <a:lstStyle/>
+          <a:p>
+            <a:pPr algn="ctr"/>
+            <a:endParaRPr lang="en-US"/>
+          </a:p>
+        </p:txBody>
+      </p:sp>
+      <p:sp>
+        <p:nvSpPr>
+          <p:cNvPr id="2" name="Title 1">
+            <a:extLst>
+              <a:ext uri="{FF2B5EF4-FFF2-40B4-BE49-F238E27FC236}">
+                <a16:creationId xmlns:a16="http://schemas.microsoft.com/office/drawing/2014/main" id="{A50A7427-9AD9-4D37-922C-B45158266761}"/>
+              </a:ext>
+            </a:extLst>
+          </p:cNvPr>
+          <p:cNvSpPr>
+            <a:spLocks noGrp="1"/>
+          </p:cNvSpPr>
+          <p:nvPr>
+            <p:ph type="title"/>
+          </p:nvPr>
+        </p:nvSpPr>
+        <p:spPr>
+          <a:xfrm>
+            <a:off x="686834" y="1153572"/>
+            <a:ext cx="3200400" cy="4461163"/>
+          </a:xfrm>
+        </p:spPr>
+        <p:txBody>
+          <a:bodyPr>
+            <a:normAutofit/>
+          </a:bodyPr>
+          <a:lstStyle/>
+          <a:p>
+            <a:r>
+              <a:rPr lang="en-US">
+                <a:solidFill>
+                  <a:srgbClr val="FFFFFF"/>
+                </a:solidFill>
+              </a:rPr>
+              <a:t>iClicker Question</a:t>
+            </a:r>
+          </a:p>
+        </p:txBody>
+      </p:sp>
+      <p:sp>
+        <p:nvSpPr>
+          <p:cNvPr id="12" name="Arc 11">
+            <a:extLst>
+              <a:ext uri="{FF2B5EF4-FFF2-40B4-BE49-F238E27FC236}">
+                <a16:creationId xmlns:a16="http://schemas.microsoft.com/office/drawing/2014/main" id="{081E4A58-353D-44AE-B2FC-2A74E2E400F7}"/>
+              </a:ext>
+              <a:ext uri="{C183D7F6-B498-43B3-948B-1728B52AA6E4}">
+                <adec:decorative xmlns:adec="http://schemas.microsoft.com/office/drawing/2017/decorative" val="1"/>
+              </a:ext>
+            </a:extLst>
+          </p:cNvPr>
+          <p:cNvSpPr>
+            <a:spLocks noGrp="1" noRot="1" noChangeAspect="1" noMove="1" noResize="1" noEditPoints="1" noAdjustHandles="1" noChangeArrowheads="1" noChangeShapeType="1" noTextEdit="1"/>
+          </p:cNvSpPr>
+          <p:nvPr>
+            <p:extLst>
+              <p:ext uri="{386F3935-93C4-4BCD-93E2-E3B085C9AB24}">
+                <p16:designElem xmlns:p16="http://schemas.microsoft.com/office/powerpoint/2015/main" val="1"/>
+              </p:ext>
+            </p:extLst>
+          </p:nvPr>
+        </p:nvSpPr>
+        <p:spPr>
+          <a:xfrm flipV="1">
+            <a:off x="7550402" y="2455479"/>
+            <a:ext cx="4083433" cy="4083433"/>
+          </a:xfrm>
+          <a:prstGeom prst="arc">
+            <a:avLst/>
+          </a:prstGeom>
+          <a:ln w="127000" cap="rnd">
+            <a:solidFill>
+              <a:schemeClr val="accent4"/>
+            </a:solidFill>
+            <a:prstDash val="dash"/>
+          </a:ln>
+        </p:spPr>
+        <p:style>
+          <a:lnRef idx="1">
+            <a:schemeClr val="accent1"/>
+          </a:lnRef>
+          <a:fillRef idx="0">
+            <a:schemeClr val="accent1"/>
+          </a:fillRef>
+          <a:effectRef idx="0">
+            <a:schemeClr val="accent1"/>
+          </a:effectRef>
+          <a:fontRef idx="minor">
+            <a:schemeClr val="tx1"/>
+          </a:fontRef>
+        </p:style>
+        <p:txBody>
+          <a:bodyPr rtlCol="0" anchor="ctr"/>
+          <a:lstStyle/>
+          <a:p>
+            <a:pPr algn="ctr"/>
+            <a:endParaRPr lang="en-US" dirty="0"/>
+          </a:p>
+        </p:txBody>
+      </p:sp>
+      <p:sp>
+        <p:nvSpPr>
+          <p:cNvPr id="3" name="Content Placeholder 2">
+            <a:extLst>
+              <a:ext uri="{FF2B5EF4-FFF2-40B4-BE49-F238E27FC236}">
+                <a16:creationId xmlns:a16="http://schemas.microsoft.com/office/drawing/2014/main" id="{AC94E9E1-69B1-422E-A34E-7C5F1870CC9A}"/>
+              </a:ext>
+            </a:extLst>
+          </p:cNvPr>
+          <p:cNvSpPr>
+            <a:spLocks noGrp="1"/>
+          </p:cNvSpPr>
+          <p:nvPr>
+            <p:ph idx="1"/>
+          </p:nvPr>
+        </p:nvSpPr>
+        <p:spPr>
+          <a:xfrm>
+            <a:off x="4447308" y="591344"/>
+            <a:ext cx="6906491" cy="5585619"/>
+          </a:xfrm>
+        </p:spPr>
+        <p:txBody>
+          <a:bodyPr anchor="ctr">
+            <a:normAutofit/>
+          </a:bodyPr>
+          <a:lstStyle/>
+          <a:p>
+            <a:pPr marL="0" indent="0">
+              <a:buNone/>
+            </a:pPr>
+            <a:r>
+              <a:rPr lang="en-US" dirty="0"/>
+              <a:t>Categorical variable can have mean value</a:t>
+            </a:r>
+          </a:p>
+          <a:p>
+            <a:pPr marL="514350" indent="-514350">
+              <a:buFont typeface="+mj-lt"/>
+              <a:buAutoNum type="alphaUcPeriod"/>
+            </a:pPr>
+            <a:r>
+              <a:rPr lang="en-US" dirty="0"/>
+              <a:t>True</a:t>
+            </a:r>
+          </a:p>
+          <a:p>
+            <a:pPr marL="514350" indent="-514350">
+              <a:buFont typeface="+mj-lt"/>
+              <a:buAutoNum type="alphaUcPeriod"/>
+            </a:pPr>
+            <a:r>
+              <a:rPr lang="en-US" dirty="0"/>
+              <a:t>False</a:t>
+            </a:r>
+          </a:p>
+        </p:txBody>
+      </p:sp>
+    </p:spTree>
+    <p:extLst>
+      <p:ext uri="{BB962C8B-B14F-4D97-AF65-F5344CB8AC3E}">
+        <p14:creationId xmlns:p14="http://schemas.microsoft.com/office/powerpoint/2010/main" val="2674816131"/>
+      </p:ext>
+    </p:extLst>
+  </p:cSld>
+  <p:clrMapOvr>
+    <a:masterClrMapping/>
+  </p:clrMapOvr>
+</p:sld>
+</file>
+
+<file path=ppt/slides/slide3.xml><?xml version="1.0" encoding="utf-8"?>
+<p:sld xmlns:a="http://schemas.openxmlformats.org/drawingml/2006/main" xmlns:r="http://schemas.openxmlformats.org/officeDocument/2006/relationships" xmlns:p="http://schemas.openxmlformats.org/presentationml/2006/main">
+  <p:cSld>
+    <p:bg>
+      <p:bgPr>
+        <a:solidFill>
           <a:schemeClr val="bg1">
             <a:tint val="95000"/>
             <a:satMod val="170000"/>
@@ -5460,7 +6431,7 @@
 </p:sld>
 </file>
 
-<file path=ppt/slides/slide2.xml><?xml version="1.0" encoding="utf-8"?>
+<file path=ppt/slides/slide4.xml><?xml version="1.0" encoding="utf-8"?>
 <p:sld xmlns:a="http://schemas.openxmlformats.org/drawingml/2006/main" xmlns:r="http://schemas.openxmlformats.org/officeDocument/2006/relationships" xmlns:p="http://schemas.openxmlformats.org/presentationml/2006/main">
   <p:cSld>
     <p:bg>
@@ -6411,7 +7382,1255 @@
 </p:sld>
 </file>
 
-<file path=ppt/slides/slide3.xml><?xml version="1.0" encoding="utf-8"?>
+<file path=ppt/slides/slide5.xml><?xml version="1.0" encoding="utf-8"?>
+<p:sld xmlns:a="http://schemas.openxmlformats.org/drawingml/2006/main" xmlns:r="http://schemas.openxmlformats.org/officeDocument/2006/relationships" xmlns:p="http://schemas.openxmlformats.org/presentationml/2006/main">
+  <p:cSld>
+    <p:spTree>
+      <p:nvGrpSpPr>
+        <p:cNvPr id="1" name=""/>
+        <p:cNvGrpSpPr/>
+        <p:nvPr/>
+      </p:nvGrpSpPr>
+      <p:grpSpPr>
+        <a:xfrm>
+          <a:off x="0" y="0"/>
+          <a:ext cx="0" cy="0"/>
+          <a:chOff x="0" y="0"/>
+          <a:chExt cx="0" cy="0"/>
+        </a:xfrm>
+      </p:grpSpPr>
+      <p:sp>
+        <p:nvSpPr>
+          <p:cNvPr id="2" name="Title 1">
+            <a:extLst>
+              <a:ext uri="{FF2B5EF4-FFF2-40B4-BE49-F238E27FC236}">
+                <a16:creationId xmlns:a16="http://schemas.microsoft.com/office/drawing/2014/main" id="{1F38F735-3CE5-47ED-B5EE-C5A42A3D8F64}"/>
+              </a:ext>
+            </a:extLst>
+          </p:cNvPr>
+          <p:cNvSpPr>
+            <a:spLocks noGrp="1"/>
+          </p:cNvSpPr>
+          <p:nvPr>
+            <p:ph type="title"/>
+          </p:nvPr>
+        </p:nvSpPr>
+        <p:spPr/>
+        <p:txBody>
+          <a:bodyPr/>
+          <a:lstStyle/>
+          <a:p>
+            <a:r>
+              <a:rPr lang="en-US" dirty="0"/>
+              <a:t>Data Analysis Plan Template</a:t>
+            </a:r>
+          </a:p>
+        </p:txBody>
+      </p:sp>
+      <p:sp>
+        <p:nvSpPr>
+          <p:cNvPr id="3" name="Content Placeholder 2">
+            <a:extLst>
+              <a:ext uri="{FF2B5EF4-FFF2-40B4-BE49-F238E27FC236}">
+                <a16:creationId xmlns:a16="http://schemas.microsoft.com/office/drawing/2014/main" id="{62987971-99D5-4C3C-83E6-35EB04DE279C}"/>
+              </a:ext>
+            </a:extLst>
+          </p:cNvPr>
+          <p:cNvSpPr>
+            <a:spLocks noGrp="1"/>
+          </p:cNvSpPr>
+          <p:nvPr>
+            <p:ph idx="1"/>
+          </p:nvPr>
+        </p:nvSpPr>
+        <p:spPr/>
+        <p:txBody>
+          <a:bodyPr/>
+          <a:lstStyle/>
+          <a:p>
+            <a:endParaRPr lang="en-US" dirty="0"/>
+          </a:p>
+        </p:txBody>
+      </p:sp>
+    </p:spTree>
+    <p:extLst>
+      <p:ext uri="{BB962C8B-B14F-4D97-AF65-F5344CB8AC3E}">
+        <p14:creationId xmlns:p14="http://schemas.microsoft.com/office/powerpoint/2010/main" val="1847708981"/>
+      </p:ext>
+    </p:extLst>
+  </p:cSld>
+  <p:clrMapOvr>
+    <a:masterClrMapping/>
+  </p:clrMapOvr>
+</p:sld>
+</file>
+
+<file path=ppt/slides/slide6.xml><?xml version="1.0" encoding="utf-8"?>
+<p:sld xmlns:a="http://schemas.openxmlformats.org/drawingml/2006/main" xmlns:r="http://schemas.openxmlformats.org/officeDocument/2006/relationships" xmlns:p="http://schemas.openxmlformats.org/presentationml/2006/main">
+  <p:cSld>
+    <p:bg>
+      <p:bgPr>
+        <a:solidFill>
+          <a:schemeClr val="bg1"/>
+        </a:solidFill>
+        <a:effectLst/>
+      </p:bgPr>
+    </p:bg>
+    <p:spTree>
+      <p:nvGrpSpPr>
+        <p:cNvPr id="1" name=""/>
+        <p:cNvGrpSpPr/>
+        <p:nvPr/>
+      </p:nvGrpSpPr>
+      <p:grpSpPr>
+        <a:xfrm>
+          <a:off x="0" y="0"/>
+          <a:ext cx="0" cy="0"/>
+          <a:chOff x="0" y="0"/>
+          <a:chExt cx="0" cy="0"/>
+        </a:xfrm>
+      </p:grpSpPr>
+      <p:sp useBgFill="1">
+        <p:nvSpPr>
+          <p:cNvPr id="9" name="Rectangle 8">
+            <a:extLst>
+              <a:ext uri="{FF2B5EF4-FFF2-40B4-BE49-F238E27FC236}">
+                <a16:creationId xmlns:a16="http://schemas.microsoft.com/office/drawing/2014/main" id="{79BB35BC-D5C2-4C8B-A22A-A71E6191913B}"/>
+              </a:ext>
+              <a:ext uri="{C183D7F6-B498-43B3-948B-1728B52AA6E4}">
+                <adec:decorative xmlns:adec="http://schemas.microsoft.com/office/drawing/2017/decorative" val="1"/>
+              </a:ext>
+            </a:extLst>
+          </p:cNvPr>
+          <p:cNvSpPr>
+            <a:spLocks noGrp="1" noRot="1" noChangeAspect="1" noMove="1" noResize="1" noEditPoints="1" noAdjustHandles="1" noChangeArrowheads="1" noChangeShapeType="1" noTextEdit="1"/>
+          </p:cNvSpPr>
+          <p:nvPr>
+            <p:extLst>
+              <p:ext uri="{386F3935-93C4-4BCD-93E2-E3B085C9AB24}">
+                <p16:designElem xmlns:p16="http://schemas.microsoft.com/office/powerpoint/2015/main" val="1"/>
+              </p:ext>
+            </p:extLst>
+          </p:nvPr>
+        </p:nvSpPr>
+        <p:spPr>
+          <a:xfrm>
+            <a:off x="0" y="0"/>
+            <a:ext cx="12188952" cy="6858000"/>
+          </a:xfrm>
+          <a:prstGeom prst="rect">
+            <a:avLst/>
+          </a:prstGeom>
+          <a:ln>
+            <a:noFill/>
+          </a:ln>
+        </p:spPr>
+        <p:style>
+          <a:lnRef idx="2">
+            <a:schemeClr val="accent1">
+              <a:shade val="50000"/>
+            </a:schemeClr>
+          </a:lnRef>
+          <a:fillRef idx="1">
+            <a:schemeClr val="accent1"/>
+          </a:fillRef>
+          <a:effectRef idx="0">
+            <a:schemeClr val="accent1"/>
+          </a:effectRef>
+          <a:fontRef idx="minor">
+            <a:schemeClr val="lt1"/>
+          </a:fontRef>
+        </p:style>
+        <p:txBody>
+          <a:bodyPr rtlCol="0" anchor="ctr"/>
+          <a:lstStyle/>
+          <a:p>
+            <a:pPr algn="ctr"/>
+            <a:endParaRPr lang="en-US"/>
+          </a:p>
+        </p:txBody>
+      </p:sp>
+      <p:sp>
+        <p:nvSpPr>
+          <p:cNvPr id="2" name="Title 1">
+            <a:extLst>
+              <a:ext uri="{FF2B5EF4-FFF2-40B4-BE49-F238E27FC236}">
+                <a16:creationId xmlns:a16="http://schemas.microsoft.com/office/drawing/2014/main" id="{6764B668-DB13-4051-8D2B-793D73A79363}"/>
+              </a:ext>
+            </a:extLst>
+          </p:cNvPr>
+          <p:cNvSpPr>
+            <a:spLocks noGrp="1"/>
+          </p:cNvSpPr>
+          <p:nvPr>
+            <p:ph type="title"/>
+          </p:nvPr>
+        </p:nvSpPr>
+        <p:spPr>
+          <a:xfrm>
+            <a:off x="6513788" y="365125"/>
+            <a:ext cx="4840010" cy="1807305"/>
+          </a:xfrm>
+        </p:spPr>
+        <p:txBody>
+          <a:bodyPr>
+            <a:normAutofit/>
+          </a:bodyPr>
+          <a:lstStyle/>
+          <a:p>
+            <a:r>
+              <a:rPr lang="en-US" dirty="0"/>
+              <a:t>Lab Session</a:t>
+            </a:r>
+          </a:p>
+        </p:txBody>
+      </p:sp>
+      <p:pic>
+        <p:nvPicPr>
+          <p:cNvPr id="5" name="Picture 4" descr="Computer script on a screen">
+            <a:extLst>
+              <a:ext uri="{FF2B5EF4-FFF2-40B4-BE49-F238E27FC236}">
+                <a16:creationId xmlns:a16="http://schemas.microsoft.com/office/drawing/2014/main" id="{8EECD3B2-0F14-4370-BCBD-073D08200A61}"/>
+              </a:ext>
+            </a:extLst>
+          </p:cNvPr>
+          <p:cNvPicPr>
+            <a:picLocks noChangeAspect="1"/>
+          </p:cNvPicPr>
+          <p:nvPr/>
+        </p:nvPicPr>
+        <p:blipFill rotWithShape="1">
+          <a:blip r:embed="rId2"/>
+          <a:srcRect l="347" r="40119" b="-1"/>
+          <a:stretch/>
+        </p:blipFill>
+        <p:spPr>
+          <a:xfrm>
+            <a:off x="20" y="10"/>
+            <a:ext cx="6116549" cy="6857990"/>
+          </a:xfrm>
+          <a:custGeom>
+            <a:avLst/>
+            <a:gdLst/>
+            <a:ahLst/>
+            <a:cxnLst/>
+            <a:rect l="l" t="t" r="r" b="b"/>
+            <a:pathLst>
+              <a:path w="6116569" h="6879321">
+                <a:moveTo>
+                  <a:pt x="0" y="0"/>
+                </a:moveTo>
+                <a:lnTo>
+                  <a:pt x="2935851" y="0"/>
+                </a:lnTo>
+                <a:cubicBezTo>
+                  <a:pt x="3035710" y="10660"/>
+                  <a:pt x="3138421" y="17767"/>
+                  <a:pt x="3238280" y="31980"/>
+                </a:cubicBezTo>
+                <a:cubicBezTo>
+                  <a:pt x="3817462" y="106602"/>
+                  <a:pt x="3127009" y="277163"/>
+                  <a:pt x="3660541" y="550772"/>
+                </a:cubicBezTo>
+                <a:cubicBezTo>
+                  <a:pt x="3706191" y="575645"/>
+                  <a:pt x="3757546" y="579199"/>
+                  <a:pt x="3808902" y="589860"/>
+                </a:cubicBezTo>
+                <a:cubicBezTo>
+                  <a:pt x="4008620" y="625393"/>
+                  <a:pt x="4211192" y="618286"/>
+                  <a:pt x="4413762" y="625393"/>
+                </a:cubicBezTo>
+                <a:cubicBezTo>
+                  <a:pt x="4465118" y="628946"/>
+                  <a:pt x="4525033" y="625393"/>
+                  <a:pt x="4567830" y="721333"/>
+                </a:cubicBezTo>
+                <a:cubicBezTo>
+                  <a:pt x="4425175" y="724888"/>
+                  <a:pt x="4305344" y="731994"/>
+                  <a:pt x="4171247" y="792401"/>
+                </a:cubicBezTo>
+                <a:cubicBezTo>
+                  <a:pt x="4239722" y="859916"/>
+                  <a:pt x="4322462" y="795955"/>
+                  <a:pt x="4376671" y="842148"/>
+                </a:cubicBezTo>
+                <a:cubicBezTo>
+                  <a:pt x="4428027" y="888342"/>
+                  <a:pt x="4470824" y="891896"/>
+                  <a:pt x="4527887" y="813722"/>
+                </a:cubicBezTo>
+                <a:cubicBezTo>
+                  <a:pt x="4556417" y="774634"/>
+                  <a:pt x="4604920" y="778187"/>
+                  <a:pt x="4633452" y="799508"/>
+                </a:cubicBezTo>
+                <a:cubicBezTo>
+                  <a:pt x="4781813" y="913216"/>
+                  <a:pt x="4778960" y="909662"/>
+                  <a:pt x="4947293" y="870576"/>
+                </a:cubicBezTo>
+                <a:cubicBezTo>
+                  <a:pt x="5055712" y="845701"/>
+                  <a:pt x="5166983" y="806615"/>
+                  <a:pt x="5263988" y="820828"/>
+                </a:cubicBezTo>
+                <a:cubicBezTo>
+                  <a:pt x="5275401" y="867022"/>
+                  <a:pt x="5263988" y="888342"/>
+                  <a:pt x="5249723" y="895449"/>
+                </a:cubicBezTo>
+                <a:cubicBezTo>
+                  <a:pt x="5021475" y="1005604"/>
+                  <a:pt x="4975825" y="1122864"/>
+                  <a:pt x="4744723" y="1197485"/>
+                </a:cubicBezTo>
+                <a:cubicBezTo>
+                  <a:pt x="4724751" y="1268552"/>
+                  <a:pt x="4807491" y="1275660"/>
+                  <a:pt x="4767548" y="1346727"/>
+                </a:cubicBezTo>
+                <a:cubicBezTo>
+                  <a:pt x="4693367" y="1407134"/>
+                  <a:pt x="4610627" y="1346727"/>
+                  <a:pt x="4539299" y="1421348"/>
+                </a:cubicBezTo>
+                <a:cubicBezTo>
+                  <a:pt x="4550712" y="1471094"/>
+                  <a:pt x="4610627" y="1432008"/>
+                  <a:pt x="4607773" y="1485309"/>
+                </a:cubicBezTo>
+                <a:cubicBezTo>
+                  <a:pt x="4604920" y="1517288"/>
+                  <a:pt x="4593508" y="1527948"/>
+                  <a:pt x="4579242" y="1535055"/>
+                </a:cubicBezTo>
+                <a:cubicBezTo>
+                  <a:pt x="4776107" y="1538608"/>
+                  <a:pt x="5383820" y="1574142"/>
+                  <a:pt x="5278255" y="1609676"/>
+                </a:cubicBezTo>
+                <a:cubicBezTo>
+                  <a:pt x="5418057" y="1698511"/>
+                  <a:pt x="5623481" y="1609676"/>
+                  <a:pt x="5771843" y="1630997"/>
+                </a:cubicBezTo>
+                <a:cubicBezTo>
+                  <a:pt x="5925911" y="1652316"/>
+                  <a:pt x="6171278" y="1719830"/>
+                  <a:pt x="6105656" y="1748257"/>
+                </a:cubicBezTo>
+                <a:cubicBezTo>
+                  <a:pt x="6031475" y="1780238"/>
+                  <a:pt x="5766136" y="2146235"/>
+                  <a:pt x="5691955" y="2167555"/>
+                </a:cubicBezTo>
+                <a:cubicBezTo>
+                  <a:pt x="5606362" y="2188875"/>
+                  <a:pt x="5589243" y="2217302"/>
+                  <a:pt x="5475118" y="2348776"/>
+                </a:cubicBezTo>
+                <a:cubicBezTo>
+                  <a:pt x="5398085" y="2437610"/>
+                  <a:pt x="5709074" y="2238623"/>
+                  <a:pt x="5826051" y="2291922"/>
+                </a:cubicBezTo>
+                <a:cubicBezTo>
+                  <a:pt x="5868848" y="2309690"/>
+                  <a:pt x="5552153" y="2554872"/>
+                  <a:pt x="5552153" y="2597513"/>
+                </a:cubicBezTo>
+                <a:cubicBezTo>
+                  <a:pt x="5549300" y="2640153"/>
+                  <a:pt x="5577831" y="2647260"/>
+                  <a:pt x="5603508" y="2647260"/>
+                </a:cubicBezTo>
+                <a:cubicBezTo>
+                  <a:pt x="5660571" y="2647260"/>
+                  <a:pt x="5640599" y="2686346"/>
+                  <a:pt x="5700515" y="2679240"/>
+                </a:cubicBezTo>
+                <a:cubicBezTo>
+                  <a:pt x="5523622" y="2800055"/>
+                  <a:pt x="5418057" y="2778734"/>
+                  <a:pt x="5246870" y="2888889"/>
+                </a:cubicBezTo>
+                <a:cubicBezTo>
+                  <a:pt x="5164130" y="2942189"/>
+                  <a:pt x="4921615" y="3119857"/>
+                  <a:pt x="4836022" y="3169605"/>
+                </a:cubicBezTo>
+                <a:cubicBezTo>
+                  <a:pt x="4801785" y="3187371"/>
+                  <a:pt x="4758988" y="3173158"/>
+                  <a:pt x="4736163" y="3233565"/>
+                </a:cubicBezTo>
+                <a:cubicBezTo>
+                  <a:pt x="4770400" y="3279759"/>
+                  <a:pt x="4816050" y="3254885"/>
+                  <a:pt x="4853141" y="3233565"/>
+                </a:cubicBezTo>
+                <a:cubicBezTo>
+                  <a:pt x="4944440" y="3176711"/>
+                  <a:pt x="4935881" y="3190925"/>
+                  <a:pt x="4944440" y="3226459"/>
+                </a:cubicBezTo>
+                <a:cubicBezTo>
+                  <a:pt x="4972972" y="3350827"/>
+                  <a:pt x="5044300" y="3308186"/>
+                  <a:pt x="5109921" y="3283313"/>
+                </a:cubicBezTo>
+                <a:cubicBezTo>
+                  <a:pt x="5303932" y="3208692"/>
+                  <a:pt x="5500797" y="3215799"/>
+                  <a:pt x="5694809" y="3141178"/>
+                </a:cubicBezTo>
+                <a:cubicBezTo>
+                  <a:pt x="5714781" y="3134070"/>
+                  <a:pt x="5612068" y="3283313"/>
+                  <a:pt x="5566419" y="3301079"/>
+                </a:cubicBezTo>
+                <a:cubicBezTo>
+                  <a:pt x="5515063" y="3322399"/>
+                  <a:pt x="5452294" y="3311739"/>
+                  <a:pt x="5415203" y="3397020"/>
+                </a:cubicBezTo>
+                <a:cubicBezTo>
+                  <a:pt x="5477972" y="3414787"/>
+                  <a:pt x="5552153" y="3372147"/>
+                  <a:pt x="5612068" y="3432554"/>
+                </a:cubicBezTo>
+                <a:cubicBezTo>
+                  <a:pt x="5469413" y="3528494"/>
+                  <a:pt x="5329610" y="3535601"/>
+                  <a:pt x="5206927" y="3599562"/>
+                </a:cubicBezTo>
+                <a:cubicBezTo>
+                  <a:pt x="5192661" y="3706163"/>
+                  <a:pt x="5272548" y="3663523"/>
+                  <a:pt x="5301079" y="3723930"/>
+                </a:cubicBezTo>
+                <a:cubicBezTo>
+                  <a:pt x="5072830" y="3844745"/>
+                  <a:pt x="4564977" y="4232062"/>
+                  <a:pt x="4507915" y="4306683"/>
+                </a:cubicBezTo>
+                <a:cubicBezTo>
+                  <a:pt x="4390937" y="4463031"/>
+                  <a:pt x="3900202" y="4562525"/>
+                  <a:pt x="3982942" y="4587399"/>
+                </a:cubicBezTo>
+                <a:cubicBezTo>
+                  <a:pt x="4051417" y="4608719"/>
+                  <a:pt x="4119891" y="4587399"/>
+                  <a:pt x="4185513" y="4541205"/>
+                </a:cubicBezTo>
+                <a:cubicBezTo>
+                  <a:pt x="4291078" y="4466584"/>
+                  <a:pt x="5010062" y="4523438"/>
+                  <a:pt x="5212633" y="4455924"/>
+                </a:cubicBezTo>
+                <a:cubicBezTo>
+                  <a:pt x="5241164" y="4445264"/>
+                  <a:pt x="5283960" y="4409730"/>
+                  <a:pt x="5312492" y="4473691"/>
+                </a:cubicBezTo>
+                <a:cubicBezTo>
+                  <a:pt x="5098508" y="4704659"/>
+                  <a:pt x="4833169" y="4654913"/>
+                  <a:pt x="4596361" y="4818368"/>
+                </a:cubicBezTo>
+                <a:cubicBezTo>
+                  <a:pt x="4684807" y="4917861"/>
+                  <a:pt x="4776107" y="4907202"/>
+                  <a:pt x="4873113" y="4885882"/>
+                </a:cubicBezTo>
+                <a:cubicBezTo>
+                  <a:pt x="4895938" y="4878775"/>
+                  <a:pt x="4930175" y="4871668"/>
+                  <a:pt x="4935881" y="4914309"/>
+                </a:cubicBezTo>
+                <a:cubicBezTo>
+                  <a:pt x="4941587" y="4967609"/>
+                  <a:pt x="4898790" y="4978270"/>
+                  <a:pt x="4873113" y="5003143"/>
+                </a:cubicBezTo>
+                <a:cubicBezTo>
+                  <a:pt x="4833169" y="5038676"/>
+                  <a:pt x="4773254" y="4999590"/>
+                  <a:pt x="4721898" y="5095530"/>
+                </a:cubicBezTo>
+                <a:cubicBezTo>
+                  <a:pt x="4873113" y="5067104"/>
+                  <a:pt x="4998650" y="5020910"/>
+                  <a:pt x="5132745" y="4949842"/>
+                </a:cubicBezTo>
+                <a:cubicBezTo>
+                  <a:pt x="5121333" y="5006696"/>
+                  <a:pt x="5081390" y="5035123"/>
+                  <a:pt x="5101362" y="5081317"/>
+                </a:cubicBezTo>
+                <a:cubicBezTo>
+                  <a:pt x="5118480" y="5116850"/>
+                  <a:pt x="5164130" y="5131063"/>
+                  <a:pt x="5138452" y="5198578"/>
+                </a:cubicBezTo>
+                <a:cubicBezTo>
+                  <a:pt x="5067125" y="5273199"/>
+                  <a:pt x="4967265" y="5258986"/>
+                  <a:pt x="4904497" y="5362033"/>
+                </a:cubicBezTo>
+                <a:cubicBezTo>
+                  <a:pt x="4818903" y="5507721"/>
+                  <a:pt x="4684807" y="5564575"/>
+                  <a:pt x="4579242" y="5674729"/>
+                </a:cubicBezTo>
+                <a:cubicBezTo>
+                  <a:pt x="4545005" y="5713816"/>
+                  <a:pt x="4313903" y="5841738"/>
+                  <a:pt x="4253988" y="5884379"/>
+                </a:cubicBezTo>
+                <a:cubicBezTo>
+                  <a:pt x="4168395" y="5944786"/>
+                  <a:pt x="4071389" y="5966106"/>
+                  <a:pt x="3985795" y="6069153"/>
+                </a:cubicBezTo>
+                <a:cubicBezTo>
+                  <a:pt x="4065682" y="6086921"/>
+                  <a:pt x="4134157" y="5990979"/>
+                  <a:pt x="4231163" y="6030066"/>
+                </a:cubicBezTo>
+                <a:cubicBezTo>
+                  <a:pt x="4074242" y="6133114"/>
+                  <a:pt x="3931586" y="6182861"/>
+                  <a:pt x="3814609" y="6317889"/>
+                </a:cubicBezTo>
+                <a:cubicBezTo>
+                  <a:pt x="3800343" y="6335656"/>
+                  <a:pt x="3771812" y="6332102"/>
+                  <a:pt x="3751840" y="6339209"/>
+                </a:cubicBezTo>
+                <a:cubicBezTo>
+                  <a:pt x="3529298" y="6406723"/>
+                  <a:pt x="3309608" y="6467130"/>
+                  <a:pt x="3089919" y="6563071"/>
+                </a:cubicBezTo>
+                <a:cubicBezTo>
+                  <a:pt x="3041416" y="6584392"/>
+                  <a:pt x="2955823" y="6595052"/>
+                  <a:pt x="2961529" y="6662566"/>
+                </a:cubicBezTo>
+                <a:cubicBezTo>
+                  <a:pt x="2972941" y="6765613"/>
+                  <a:pt x="3055681" y="6687439"/>
+                  <a:pt x="3107038" y="6673226"/>
+                </a:cubicBezTo>
+                <a:cubicBezTo>
+                  <a:pt x="3269664" y="6634138"/>
+                  <a:pt x="3432292" y="6570178"/>
+                  <a:pt x="3594919" y="6591499"/>
+                </a:cubicBezTo>
+                <a:cubicBezTo>
+                  <a:pt x="3483648" y="6637693"/>
+                  <a:pt x="3372376" y="6680332"/>
+                  <a:pt x="3261106" y="6726527"/>
+                </a:cubicBezTo>
+                <a:cubicBezTo>
+                  <a:pt x="3386642" y="6705206"/>
+                  <a:pt x="3495061" y="6786934"/>
+                  <a:pt x="3620597" y="6740740"/>
+                </a:cubicBezTo>
+                <a:cubicBezTo>
+                  <a:pt x="3660541" y="6726527"/>
+                  <a:pt x="3700484" y="6765613"/>
+                  <a:pt x="3703337" y="6826020"/>
+                </a:cubicBezTo>
+                <a:cubicBezTo>
+                  <a:pt x="3706191" y="6847340"/>
+                  <a:pt x="3700484" y="6865108"/>
+                  <a:pt x="3689072" y="6879321"/>
+                </a:cubicBezTo>
+                <a:lnTo>
+                  <a:pt x="0" y="6879321"/>
+                </a:lnTo>
+                <a:close/>
+              </a:path>
+            </a:pathLst>
+          </a:custGeom>
+        </p:spPr>
+      </p:pic>
+      <p:sp>
+        <p:nvSpPr>
+          <p:cNvPr id="3" name="Content Placeholder 2">
+            <a:extLst>
+              <a:ext uri="{FF2B5EF4-FFF2-40B4-BE49-F238E27FC236}">
+                <a16:creationId xmlns:a16="http://schemas.microsoft.com/office/drawing/2014/main" id="{BDE8A1CE-9DDA-4EF7-ABE8-549F9263A633}"/>
+              </a:ext>
+            </a:extLst>
+          </p:cNvPr>
+          <p:cNvSpPr>
+            <a:spLocks noGrp="1"/>
+          </p:cNvSpPr>
+          <p:nvPr>
+            <p:ph idx="1"/>
+          </p:nvPr>
+        </p:nvSpPr>
+        <p:spPr>
+          <a:xfrm>
+            <a:off x="6513788" y="2333297"/>
+            <a:ext cx="4840010" cy="3843666"/>
+          </a:xfrm>
+        </p:spPr>
+        <p:txBody>
+          <a:bodyPr>
+            <a:normAutofit/>
+          </a:bodyPr>
+          <a:lstStyle/>
+          <a:p>
+            <a:r>
+              <a:rPr lang="en-US" sz="2000"/>
+              <a:t>Excel </a:t>
+            </a:r>
+          </a:p>
+          <a:p>
+            <a:r>
+              <a:rPr lang="en-US" sz="2000"/>
+              <a:t>R</a:t>
+            </a:r>
+          </a:p>
+        </p:txBody>
+      </p:sp>
+    </p:spTree>
+    <p:extLst>
+      <p:ext uri="{BB962C8B-B14F-4D97-AF65-F5344CB8AC3E}">
+        <p14:creationId xmlns:p14="http://schemas.microsoft.com/office/powerpoint/2010/main" val="1200160059"/>
+      </p:ext>
+    </p:extLst>
+  </p:cSld>
+  <p:clrMapOvr>
+    <a:masterClrMapping/>
+  </p:clrMapOvr>
+</p:sld>
+</file>
+
+<file path=ppt/slides/slide7.xml><?xml version="1.0" encoding="utf-8"?>
+<p:sld xmlns:a="http://schemas.openxmlformats.org/drawingml/2006/main" xmlns:r="http://schemas.openxmlformats.org/officeDocument/2006/relationships" xmlns:p="http://schemas.openxmlformats.org/presentationml/2006/main">
+  <p:cSld>
+    <p:bg>
+      <p:bgPr>
+        <a:solidFill>
+          <a:schemeClr val="bg1"/>
+        </a:solidFill>
+        <a:effectLst/>
+      </p:bgPr>
+    </p:bg>
+    <p:spTree>
+      <p:nvGrpSpPr>
+        <p:cNvPr id="1" name=""/>
+        <p:cNvGrpSpPr/>
+        <p:nvPr/>
+      </p:nvGrpSpPr>
+      <p:grpSpPr>
+        <a:xfrm>
+          <a:off x="0" y="0"/>
+          <a:ext cx="0" cy="0"/>
+          <a:chOff x="0" y="0"/>
+          <a:chExt cx="0" cy="0"/>
+        </a:xfrm>
+      </p:grpSpPr>
+      <p:sp useBgFill="1">
+        <p:nvSpPr>
+          <p:cNvPr id="8" name="Rectangle 7">
+            <a:extLst>
+              <a:ext uri="{FF2B5EF4-FFF2-40B4-BE49-F238E27FC236}">
+                <a16:creationId xmlns:a16="http://schemas.microsoft.com/office/drawing/2014/main" id="{4E1BEB12-92AF-4445-98AD-4C7756E7C93B}"/>
+              </a:ext>
+              <a:ext uri="{C183D7F6-B498-43B3-948B-1728B52AA6E4}">
+                <adec:decorative xmlns:adec="http://schemas.microsoft.com/office/drawing/2017/decorative" val="1"/>
+              </a:ext>
+            </a:extLst>
+          </p:cNvPr>
+          <p:cNvSpPr>
+            <a:spLocks noGrp="1" noRot="1" noChangeAspect="1" noMove="1" noResize="1" noEditPoints="1" noAdjustHandles="1" noChangeArrowheads="1" noChangeShapeType="1" noTextEdit="1"/>
+          </p:cNvSpPr>
+          <p:nvPr>
+            <p:extLst>
+              <p:ext uri="{386F3935-93C4-4BCD-93E2-E3B085C9AB24}">
+                <p16:designElem xmlns:p16="http://schemas.microsoft.com/office/powerpoint/2015/main" val="1"/>
+              </p:ext>
+            </p:extLst>
+          </p:nvPr>
+        </p:nvSpPr>
+        <p:spPr>
+          <a:xfrm>
+            <a:off x="3048" y="0"/>
+            <a:ext cx="12188952" cy="6858000"/>
+          </a:xfrm>
+          <a:prstGeom prst="rect">
+            <a:avLst/>
+          </a:prstGeom>
+          <a:ln>
+            <a:noFill/>
+          </a:ln>
+        </p:spPr>
+        <p:style>
+          <a:lnRef idx="2">
+            <a:schemeClr val="accent1">
+              <a:shade val="50000"/>
+            </a:schemeClr>
+          </a:lnRef>
+          <a:fillRef idx="1">
+            <a:schemeClr val="accent1"/>
+          </a:fillRef>
+          <a:effectRef idx="0">
+            <a:schemeClr val="accent1"/>
+          </a:effectRef>
+          <a:fontRef idx="minor">
+            <a:schemeClr val="lt1"/>
+          </a:fontRef>
+        </p:style>
+        <p:txBody>
+          <a:bodyPr rtlCol="0" anchor="ctr"/>
+          <a:lstStyle/>
+          <a:p>
+            <a:pPr algn="ctr"/>
+            <a:endParaRPr lang="en-US"/>
+          </a:p>
+        </p:txBody>
+      </p:sp>
+      <p:sp>
+        <p:nvSpPr>
+          <p:cNvPr id="10" name="Rectangle 9">
+            <a:extLst>
+              <a:ext uri="{FF2B5EF4-FFF2-40B4-BE49-F238E27FC236}">
+                <a16:creationId xmlns:a16="http://schemas.microsoft.com/office/drawing/2014/main" id="{D0522C2C-7B5C-48A7-A969-03941E5D2E76}"/>
+              </a:ext>
+              <a:ext uri="{C183D7F6-B498-43B3-948B-1728B52AA6E4}">
+                <adec:decorative xmlns:adec="http://schemas.microsoft.com/office/drawing/2017/decorative" val="1"/>
+              </a:ext>
+            </a:extLst>
+          </p:cNvPr>
+          <p:cNvSpPr>
+            <a:spLocks noGrp="1" noRot="1" noChangeAspect="1" noMove="1" noResize="1" noEditPoints="1" noAdjustHandles="1" noChangeArrowheads="1" noChangeShapeType="1" noTextEdit="1"/>
+          </p:cNvSpPr>
+          <p:nvPr>
+            <p:extLst>
+              <p:ext uri="{386F3935-93C4-4BCD-93E2-E3B085C9AB24}">
+                <p16:designElem xmlns:p16="http://schemas.microsoft.com/office/powerpoint/2015/main" val="1"/>
+              </p:ext>
+            </p:extLst>
+          </p:nvPr>
+        </p:nvSpPr>
+        <p:spPr>
+          <a:xfrm>
+            <a:off x="0" y="0"/>
+            <a:ext cx="12192000" cy="6858000"/>
+          </a:xfrm>
+          <a:prstGeom prst="rect">
+            <a:avLst/>
+          </a:prstGeom>
+          <a:solidFill>
+            <a:schemeClr val="accent2"/>
+          </a:solidFill>
+          <a:ln>
+            <a:noFill/>
+          </a:ln>
+        </p:spPr>
+        <p:style>
+          <a:lnRef idx="2">
+            <a:schemeClr val="accent1">
+              <a:shade val="50000"/>
+            </a:schemeClr>
+          </a:lnRef>
+          <a:fillRef idx="1">
+            <a:schemeClr val="accent1"/>
+          </a:fillRef>
+          <a:effectRef idx="0">
+            <a:schemeClr val="accent1"/>
+          </a:effectRef>
+          <a:fontRef idx="minor">
+            <a:schemeClr val="lt1"/>
+          </a:fontRef>
+        </p:style>
+        <p:txBody>
+          <a:bodyPr rtlCol="0" anchor="ctr"/>
+          <a:lstStyle/>
+          <a:p>
+            <a:pPr algn="ctr"/>
+            <a:endParaRPr lang="en-US">
+              <a:solidFill>
+                <a:schemeClr val="tx1"/>
+              </a:solidFill>
+            </a:endParaRPr>
+          </a:p>
+        </p:txBody>
+      </p:sp>
+      <p:sp>
+        <p:nvSpPr>
+          <p:cNvPr id="12" name="Freeform 13">
+            <a:extLst>
+              <a:ext uri="{FF2B5EF4-FFF2-40B4-BE49-F238E27FC236}">
+                <a16:creationId xmlns:a16="http://schemas.microsoft.com/office/drawing/2014/main" id="{9C682A1A-5B2D-4111-BBD6-620165633E5B}"/>
+              </a:ext>
+              <a:ext uri="{C183D7F6-B498-43B3-948B-1728B52AA6E4}">
+                <adec:decorative xmlns:adec="http://schemas.microsoft.com/office/drawing/2017/decorative" val="1"/>
+              </a:ext>
+            </a:extLst>
+          </p:cNvPr>
+          <p:cNvSpPr>
+            <a:spLocks noGrp="1" noRot="1" noChangeAspect="1" noMove="1" noResize="1" noEditPoints="1" noAdjustHandles="1" noChangeArrowheads="1" noChangeShapeType="1" noTextEdit="1"/>
+          </p:cNvSpPr>
+          <p:nvPr>
+            <p:extLst>
+              <p:ext uri="{386F3935-93C4-4BCD-93E2-E3B085C9AB24}">
+                <p16:designElem xmlns:p16="http://schemas.microsoft.com/office/powerpoint/2015/main" val="1"/>
+              </p:ext>
+            </p:extLst>
+          </p:nvPr>
+        </p:nvSpPr>
+        <p:spPr>
+          <a:xfrm>
+            <a:off x="2769476" y="220196"/>
+            <a:ext cx="9422524" cy="6637806"/>
+          </a:xfrm>
+          <a:custGeom>
+            <a:avLst/>
+            <a:gdLst>
+              <a:gd name="connsiteX0" fmla="*/ 4929467 w 8191500"/>
+              <a:gd name="connsiteY0" fmla="*/ 0 h 5770597"/>
+              <a:gd name="connsiteX1" fmla="*/ 8065066 w 8191500"/>
+              <a:gd name="connsiteY1" fmla="*/ 1118513 h 5770597"/>
+              <a:gd name="connsiteX2" fmla="*/ 8191500 w 8191500"/>
+              <a:gd name="connsiteY2" fmla="*/ 1227339 h 5770597"/>
+              <a:gd name="connsiteX3" fmla="*/ 8191500 w 8191500"/>
+              <a:gd name="connsiteY3" fmla="*/ 5770597 h 5770597"/>
+              <a:gd name="connsiteX4" fmla="*/ 79523 w 8191500"/>
+              <a:gd name="connsiteY4" fmla="*/ 5770597 h 5770597"/>
+              <a:gd name="connsiteX5" fmla="*/ 56799 w 8191500"/>
+              <a:gd name="connsiteY5" fmla="*/ 5644158 h 5770597"/>
+              <a:gd name="connsiteX6" fmla="*/ 0 w 8191500"/>
+              <a:gd name="connsiteY6" fmla="*/ 4898209 h 5770597"/>
+              <a:gd name="connsiteX7" fmla="*/ 4929467 w 8191500"/>
+              <a:gd name="connsiteY7" fmla="*/ 0 h 5770597"/>
+            </a:gdLst>
+            <a:ahLst/>
+            <a:cxnLst>
+              <a:cxn ang="0">
+                <a:pos x="connsiteX0" y="connsiteY0"/>
+              </a:cxn>
+              <a:cxn ang="0">
+                <a:pos x="connsiteX1" y="connsiteY1"/>
+              </a:cxn>
+              <a:cxn ang="0">
+                <a:pos x="connsiteX2" y="connsiteY2"/>
+              </a:cxn>
+              <a:cxn ang="0">
+                <a:pos x="connsiteX3" y="connsiteY3"/>
+              </a:cxn>
+              <a:cxn ang="0">
+                <a:pos x="connsiteX4" y="connsiteY4"/>
+              </a:cxn>
+              <a:cxn ang="0">
+                <a:pos x="connsiteX5" y="connsiteY5"/>
+              </a:cxn>
+              <a:cxn ang="0">
+                <a:pos x="connsiteX6" y="connsiteY6"/>
+              </a:cxn>
+              <a:cxn ang="0">
+                <a:pos x="connsiteX7" y="connsiteY7"/>
+              </a:cxn>
+            </a:cxnLst>
+            <a:rect l="l" t="t" r="r" b="b"/>
+            <a:pathLst>
+              <a:path w="8191500" h="5770597">
+                <a:moveTo>
+                  <a:pt x="4929467" y="0"/>
+                </a:moveTo>
+                <a:cubicBezTo>
+                  <a:pt x="6120547" y="0"/>
+                  <a:pt x="7212963" y="419755"/>
+                  <a:pt x="8065066" y="1118513"/>
+                </a:cubicBezTo>
+                <a:lnTo>
+                  <a:pt x="8191500" y="1227339"/>
+                </a:lnTo>
+                <a:lnTo>
+                  <a:pt x="8191500" y="5770597"/>
+                </a:lnTo>
+                <a:lnTo>
+                  <a:pt x="79523" y="5770597"/>
+                </a:lnTo>
+                <a:lnTo>
+                  <a:pt x="56799" y="5644158"/>
+                </a:lnTo>
+                <a:cubicBezTo>
+                  <a:pt x="19398" y="5400934"/>
+                  <a:pt x="0" y="5151822"/>
+                  <a:pt x="0" y="4898209"/>
+                </a:cubicBezTo>
+                <a:cubicBezTo>
+                  <a:pt x="0" y="2193003"/>
+                  <a:pt x="2206998" y="0"/>
+                  <a:pt x="4929467" y="0"/>
+                </a:cubicBezTo>
+                <a:close/>
+              </a:path>
+            </a:pathLst>
+          </a:custGeom>
+          <a:solidFill>
+            <a:schemeClr val="bg1"/>
+          </a:solidFill>
+          <a:ln>
+            <a:noFill/>
+          </a:ln>
+        </p:spPr>
+        <p:style>
+          <a:lnRef idx="2">
+            <a:schemeClr val="accent1">
+              <a:shade val="50000"/>
+            </a:schemeClr>
+          </a:lnRef>
+          <a:fillRef idx="1">
+            <a:schemeClr val="accent1"/>
+          </a:fillRef>
+          <a:effectRef idx="0">
+            <a:schemeClr val="accent1"/>
+          </a:effectRef>
+          <a:fontRef idx="minor">
+            <a:schemeClr val="lt1"/>
+          </a:fontRef>
+        </p:style>
+        <p:txBody>
+          <a:bodyPr wrap="square" rtlCol="0" anchor="ctr">
+            <a:noAutofit/>
+          </a:bodyPr>
+          <a:lstStyle/>
+          <a:p>
+            <a:pPr marL="0" marR="0" lvl="0" indent="0" algn="ctr" defTabSz="914400" rtl="0" eaLnBrk="1" fontAlgn="auto" latinLnBrk="0" hangingPunct="1">
+              <a:lnSpc>
+                <a:spcPct val="100000"/>
+              </a:lnSpc>
+              <a:spcBef>
+                <a:spcPts val="0"/>
+              </a:spcBef>
+              <a:spcAft>
+                <a:spcPts val="0"/>
+              </a:spcAft>
+              <a:buClrTx/>
+              <a:buSzTx/>
+              <a:buFontTx/>
+              <a:buNone/>
+              <a:tabLst/>
+              <a:defRPr/>
+            </a:pPr>
+            <a:endParaRPr kumimoji="0" lang="en-US" sz="1800" b="0" i="0" u="none" strike="noStrike" kern="1200" cap="none" spc="0" normalizeH="0" baseline="0" noProof="0">
+              <a:ln>
+                <a:noFill/>
+              </a:ln>
+              <a:solidFill>
+                <a:srgbClr val="FFFFFF"/>
+              </a:solidFill>
+              <a:effectLst/>
+              <a:uLnTx/>
+              <a:uFillTx/>
+              <a:latin typeface="Calibri" panose="020F0502020204030204"/>
+              <a:ea typeface="+mn-ea"/>
+              <a:cs typeface="+mn-cs"/>
+            </a:endParaRPr>
+          </a:p>
+        </p:txBody>
+      </p:sp>
+      <p:sp>
+        <p:nvSpPr>
+          <p:cNvPr id="14" name="Oval 13">
+            <a:extLst>
+              <a:ext uri="{FF2B5EF4-FFF2-40B4-BE49-F238E27FC236}">
+                <a16:creationId xmlns:a16="http://schemas.microsoft.com/office/drawing/2014/main" id="{D6EE29F2-D77F-4BD0-A20B-334D316A1C9D}"/>
+              </a:ext>
+              <a:ext uri="{C183D7F6-B498-43B3-948B-1728B52AA6E4}">
+                <adec:decorative xmlns:adec="http://schemas.microsoft.com/office/drawing/2017/decorative" val="1"/>
+              </a:ext>
+            </a:extLst>
+          </p:cNvPr>
+          <p:cNvSpPr>
+            <a:spLocks noGrp="1" noRot="1" noChangeAspect="1" noMove="1" noResize="1" noEditPoints="1" noAdjustHandles="1" noChangeArrowheads="1" noChangeShapeType="1" noTextEdit="1"/>
+          </p:cNvSpPr>
+          <p:nvPr>
+            <p:extLst>
+              <p:ext uri="{386F3935-93C4-4BCD-93E2-E3B085C9AB24}">
+                <p16:designElem xmlns:p16="http://schemas.microsoft.com/office/powerpoint/2015/main" val="1"/>
+              </p:ext>
+            </p:extLst>
+          </p:nvPr>
+        </p:nvSpPr>
+        <p:spPr>
+          <a:xfrm>
+            <a:off x="2209800" y="2099696"/>
+            <a:ext cx="1942241" cy="1889551"/>
+          </a:xfrm>
+          <a:prstGeom prst="ellipse">
+            <a:avLst/>
+          </a:prstGeom>
+          <a:solidFill>
+            <a:schemeClr val="accent4"/>
+          </a:solidFill>
+          <a:ln>
+            <a:noFill/>
+          </a:ln>
+        </p:spPr>
+        <p:style>
+          <a:lnRef idx="2">
+            <a:schemeClr val="accent1">
+              <a:shade val="50000"/>
+            </a:schemeClr>
+          </a:lnRef>
+          <a:fillRef idx="1">
+            <a:schemeClr val="accent1"/>
+          </a:fillRef>
+          <a:effectRef idx="0">
+            <a:schemeClr val="accent1"/>
+          </a:effectRef>
+          <a:fontRef idx="minor">
+            <a:schemeClr val="lt1"/>
+          </a:fontRef>
+        </p:style>
+        <p:txBody>
+          <a:bodyPr rtlCol="0" anchor="ctr"/>
+          <a:lstStyle/>
+          <a:p>
+            <a:pPr marL="0" marR="0" lvl="0" indent="0" algn="ctr" defTabSz="914400" rtl="0" eaLnBrk="1" fontAlgn="auto" latinLnBrk="0" hangingPunct="1">
+              <a:lnSpc>
+                <a:spcPct val="100000"/>
+              </a:lnSpc>
+              <a:spcBef>
+                <a:spcPts val="0"/>
+              </a:spcBef>
+              <a:spcAft>
+                <a:spcPts val="0"/>
+              </a:spcAft>
+              <a:buClrTx/>
+              <a:buSzTx/>
+              <a:buFontTx/>
+              <a:buNone/>
+              <a:tabLst/>
+              <a:defRPr/>
+            </a:pPr>
+            <a:endParaRPr kumimoji="0" lang="en-US" sz="1800" b="0" i="0" u="none" strike="noStrike" kern="1200" cap="none" spc="0" normalizeH="0" baseline="0" noProof="0">
+              <a:ln>
+                <a:noFill/>
+              </a:ln>
+              <a:solidFill>
+                <a:srgbClr val="FFFFFF"/>
+              </a:solidFill>
+              <a:effectLst/>
+              <a:uLnTx/>
+              <a:uFillTx/>
+              <a:latin typeface="Calibri" panose="020F0502020204030204"/>
+              <a:ea typeface="+mn-ea"/>
+              <a:cs typeface="+mn-cs"/>
+            </a:endParaRPr>
+          </a:p>
+        </p:txBody>
+      </p:sp>
+      <p:sp>
+        <p:nvSpPr>
+          <p:cNvPr id="16" name="Arc 15">
+            <a:extLst>
+              <a:ext uri="{FF2B5EF4-FFF2-40B4-BE49-F238E27FC236}">
+                <a16:creationId xmlns:a16="http://schemas.microsoft.com/office/drawing/2014/main" id="{22D09ED2-868F-42C6-866E-F92E0CEF314F}"/>
+              </a:ext>
+              <a:ext uri="{C183D7F6-B498-43B3-948B-1728B52AA6E4}">
+                <adec:decorative xmlns:adec="http://schemas.microsoft.com/office/drawing/2017/decorative" val="1"/>
+              </a:ext>
+            </a:extLst>
+          </p:cNvPr>
+          <p:cNvSpPr>
+            <a:spLocks noGrp="1" noRot="1" noChangeAspect="1" noMove="1" noResize="1" noEditPoints="1" noAdjustHandles="1" noChangeArrowheads="1" noChangeShapeType="1" noTextEdit="1"/>
+          </p:cNvSpPr>
+          <p:nvPr>
+            <p:extLst>
+              <p:ext uri="{386F3935-93C4-4BCD-93E2-E3B085C9AB24}">
+                <p16:designElem xmlns:p16="http://schemas.microsoft.com/office/powerpoint/2015/main" val="1"/>
+              </p:ext>
+            </p:extLst>
+          </p:nvPr>
+        </p:nvSpPr>
+        <p:spPr>
+          <a:xfrm rot="18520172">
+            <a:off x="1613162" y="1492572"/>
+            <a:ext cx="2987899" cy="2987899"/>
+          </a:xfrm>
+          <a:prstGeom prst="arc">
+            <a:avLst>
+              <a:gd name="adj1" fmla="val 14455503"/>
+              <a:gd name="adj2" fmla="val 227775"/>
+            </a:avLst>
+          </a:prstGeom>
+          <a:ln w="127000" cap="rnd">
+            <a:solidFill>
+              <a:schemeClr val="accent4"/>
+            </a:solidFill>
+            <a:prstDash val="dash"/>
+            <a:miter lim="800000"/>
+          </a:ln>
+        </p:spPr>
+        <p:style>
+          <a:lnRef idx="1">
+            <a:schemeClr val="accent1"/>
+          </a:lnRef>
+          <a:fillRef idx="0">
+            <a:schemeClr val="accent1"/>
+          </a:fillRef>
+          <a:effectRef idx="0">
+            <a:schemeClr val="accent1"/>
+          </a:effectRef>
+          <a:fontRef idx="minor">
+            <a:schemeClr val="tx1"/>
+          </a:fontRef>
+        </p:style>
+        <p:txBody>
+          <a:bodyPr rtlCol="0" anchor="ctr"/>
+          <a:lstStyle/>
+          <a:p>
+            <a:pPr marL="0" marR="0" lvl="0" indent="0" algn="ctr" defTabSz="914400" rtl="0" eaLnBrk="1" fontAlgn="auto" latinLnBrk="0" hangingPunct="1">
+              <a:lnSpc>
+                <a:spcPct val="100000"/>
+              </a:lnSpc>
+              <a:spcBef>
+                <a:spcPts val="0"/>
+              </a:spcBef>
+              <a:spcAft>
+                <a:spcPts val="0"/>
+              </a:spcAft>
+              <a:buClrTx/>
+              <a:buSzTx/>
+              <a:buFontTx/>
+              <a:buNone/>
+              <a:tabLst/>
+              <a:defRPr/>
+            </a:pPr>
+            <a:endParaRPr kumimoji="0" lang="en-US" sz="1800" b="0" i="0" u="none" strike="noStrike" kern="1200" cap="none" spc="0" normalizeH="0" baseline="0" noProof="0">
+              <a:ln>
+                <a:noFill/>
+              </a:ln>
+              <a:solidFill>
+                <a:srgbClr val="000000"/>
+              </a:solidFill>
+              <a:effectLst/>
+              <a:uLnTx/>
+              <a:uFillTx/>
+              <a:latin typeface="Calibri" panose="020F0502020204030204"/>
+              <a:ea typeface="+mn-ea"/>
+              <a:cs typeface="+mn-cs"/>
+            </a:endParaRPr>
+          </a:p>
+        </p:txBody>
+      </p:sp>
+      <p:sp>
+        <p:nvSpPr>
+          <p:cNvPr id="2" name="Title 1">
+            <a:extLst>
+              <a:ext uri="{FF2B5EF4-FFF2-40B4-BE49-F238E27FC236}">
+                <a16:creationId xmlns:a16="http://schemas.microsoft.com/office/drawing/2014/main" id="{57D5C933-5339-4E62-A8A4-A302C1E1ECB7}"/>
+              </a:ext>
+            </a:extLst>
+          </p:cNvPr>
+          <p:cNvSpPr>
+            <a:spLocks noGrp="1"/>
+          </p:cNvSpPr>
+          <p:nvPr>
+            <p:ph type="title"/>
+          </p:nvPr>
+        </p:nvSpPr>
+        <p:spPr>
+          <a:xfrm>
+            <a:off x="4038600" y="1939159"/>
+            <a:ext cx="7644627" cy="2751086"/>
+          </a:xfrm>
+        </p:spPr>
+        <p:txBody>
+          <a:bodyPr vert="horz" lIns="91440" tIns="45720" rIns="91440" bIns="45720" rtlCol="0" anchor="b">
+            <a:normAutofit/>
+          </a:bodyPr>
+          <a:lstStyle/>
+          <a:p>
+            <a:pPr algn="r"/>
+            <a:r>
+              <a:rPr lang="en-US" sz="6000" kern="1200">
+                <a:solidFill>
+                  <a:schemeClr val="tx1"/>
+                </a:solidFill>
+                <a:latin typeface="+mj-lt"/>
+                <a:ea typeface="+mj-ea"/>
+                <a:cs typeface="+mj-cs"/>
+              </a:rPr>
+              <a:t>15-min Group Discussion </a:t>
+            </a:r>
+          </a:p>
+        </p:txBody>
+      </p:sp>
+      <p:sp>
+        <p:nvSpPr>
+          <p:cNvPr id="3" name="Content Placeholder 2">
+            <a:extLst>
+              <a:ext uri="{FF2B5EF4-FFF2-40B4-BE49-F238E27FC236}">
+                <a16:creationId xmlns:a16="http://schemas.microsoft.com/office/drawing/2014/main" id="{215E8E83-0B52-4E7A-AFC2-DA63575EE279}"/>
+              </a:ext>
+            </a:extLst>
+          </p:cNvPr>
+          <p:cNvSpPr>
+            <a:spLocks noGrp="1"/>
+          </p:cNvSpPr>
+          <p:nvPr>
+            <p:ph idx="1"/>
+          </p:nvPr>
+        </p:nvSpPr>
+        <p:spPr>
+          <a:xfrm>
+            <a:off x="4038600" y="4782320"/>
+            <a:ext cx="7644627" cy="1329443"/>
+          </a:xfrm>
+        </p:spPr>
+        <p:txBody>
+          <a:bodyPr vert="horz" lIns="91440" tIns="45720" rIns="91440" bIns="45720" rtlCol="0">
+            <a:normAutofit/>
+          </a:bodyPr>
+          <a:lstStyle/>
+          <a:p>
+            <a:pPr marL="0" indent="0" algn="r">
+              <a:buNone/>
+            </a:pPr>
+            <a:r>
+              <a:rPr lang="en-US" sz="2400" kern="1200">
+                <a:solidFill>
+                  <a:schemeClr val="tx1"/>
+                </a:solidFill>
+                <a:latin typeface="+mn-lt"/>
+                <a:ea typeface="+mn-ea"/>
+                <a:cs typeface="+mn-cs"/>
+              </a:rPr>
+              <a:t>Data Analysis Plan</a:t>
+            </a:r>
+          </a:p>
+        </p:txBody>
+      </p:sp>
+    </p:spTree>
+    <p:extLst>
+      <p:ext uri="{BB962C8B-B14F-4D97-AF65-F5344CB8AC3E}">
+        <p14:creationId xmlns:p14="http://schemas.microsoft.com/office/powerpoint/2010/main" val="2615115182"/>
+      </p:ext>
+    </p:extLst>
+  </p:cSld>
+  <p:clrMapOvr>
+    <a:masterClrMapping/>
+  </p:clrMapOvr>
+</p:sld>
+</file>
+
+<file path=ppt/slides/slide8.xml><?xml version="1.0" encoding="utf-8"?>
 <p:sld xmlns:a="http://schemas.openxmlformats.org/drawingml/2006/main" xmlns:r="http://schemas.openxmlformats.org/officeDocument/2006/relationships" xmlns:p="http://schemas.openxmlformats.org/presentationml/2006/main">
   <p:cSld>
     <p:spTree>
@@ -7380,6 +9599,14 @@
 </file>
 
 <file path=customXml/item1.xml><?xml version="1.0" encoding="utf-8"?>
+<p:properties xmlns:p="http://schemas.microsoft.com/office/2006/metadata/properties" xmlns:xsi="http://www.w3.org/2001/XMLSchema-instance" xmlns:pc="http://schemas.microsoft.com/office/infopath/2007/PartnerControls">
+  <documentManagement>
+    <MediaServiceKeyPoints xmlns="71af3243-3dd4-4a8d-8c0d-dd76da1f02a5" xsi:nil="true"/>
+  </documentManagement>
+</p:properties>
+</file>
+
+<file path=customXml/item2.xml><?xml version="1.0" encoding="utf-8"?>
 <ct:contentTypeSchema xmlns:ct="http://schemas.microsoft.com/office/2006/metadata/contentType" xmlns:ma="http://schemas.microsoft.com/office/2006/metadata/properties/metaAttributes" ct:_="" ma:_="" ma:contentTypeName="Document" ma:contentTypeID="0x01010079F111ED35F8CC479449609E8A0923A6" ma:contentTypeVersion="11" ma:contentTypeDescription="Create a new document." ma:contentTypeScope="" ma:versionID="96291512c1ee715ab617f4c07df79fc1">
   <xsd:schema xmlns:xsd="http://www.w3.org/2001/XMLSchema" xmlns:xs="http://www.w3.org/2001/XMLSchema" xmlns:p="http://schemas.microsoft.com/office/2006/metadata/properties" xmlns:ns2="71af3243-3dd4-4a8d-8c0d-dd76da1f02a5" xmlns:ns3="16c05727-aa75-4e4a-9b5f-8a80a1165891" targetNamespace="http://schemas.microsoft.com/office/2006/metadata/properties" ma:root="true" ma:fieldsID="8256c27c40ca5c40ce1cf6c44f0205df" ns2:_="" ns3:_="">
     <xsd:import namespace="71af3243-3dd4-4a8d-8c0d-dd76da1f02a5"/>
@@ -7590,14 +9817,6 @@
 </ct:contentTypeSchema>
 </file>
 
-<file path=customXml/item2.xml><?xml version="1.0" encoding="utf-8"?>
-<p:properties xmlns:p="http://schemas.microsoft.com/office/2006/metadata/properties" xmlns:xsi="http://www.w3.org/2001/XMLSchema-instance" xmlns:pc="http://schemas.microsoft.com/office/infopath/2007/PartnerControls">
-  <documentManagement>
-    <MediaServiceKeyPoints xmlns="71af3243-3dd4-4a8d-8c0d-dd76da1f02a5" xsi:nil="true"/>
-  </documentManagement>
-</p:properties>
-</file>
-
 <file path=customXml/item3.xml><?xml version="1.0" encoding="utf-8"?>
 <?mso-contentType ?>
 <FormTemplates xmlns="http://schemas.microsoft.com/sharepoint/v3/contenttype/forms">
@@ -7608,6 +9827,16 @@
 </file>
 
 <file path=customXml/itemProps1.xml><?xml version="1.0" encoding="utf-8"?>
+<ds:datastoreItem xmlns:ds="http://schemas.openxmlformats.org/officeDocument/2006/customXml" ds:itemID="{03C7D9E6-B0D9-433E-BD46-EB60F64F4DA8}">
+  <ds:schemaRefs>
+    <ds:schemaRef ds:uri="http://schemas.microsoft.com/office/2006/metadata/properties"/>
+    <ds:schemaRef ds:uri="http://schemas.microsoft.com/office/infopath/2007/PartnerControls"/>
+    <ds:schemaRef ds:uri="71af3243-3dd4-4a8d-8c0d-dd76da1f02a5"/>
+  </ds:schemaRefs>
+</ds:datastoreItem>
+</file>
+
+<file path=customXml/itemProps2.xml><?xml version="1.0" encoding="utf-8"?>
 <ds:datastoreItem xmlns:ds="http://schemas.openxmlformats.org/officeDocument/2006/customXml" ds:itemID="{B2AB02E3-5ADF-4BF0-9C1B-35CDF3FE95B0}">
   <ds:schemaRefs>
     <ds:schemaRef ds:uri="http://schemas.microsoft.com/office/2006/metadata/contentType"/>
@@ -7626,16 +9855,6 @@
 </ds:datastoreItem>
 </file>
 
-<file path=customXml/itemProps2.xml><?xml version="1.0" encoding="utf-8"?>
-<ds:datastoreItem xmlns:ds="http://schemas.openxmlformats.org/officeDocument/2006/customXml" ds:itemID="{03C7D9E6-B0D9-433E-BD46-EB60F64F4DA8}">
-  <ds:schemaRefs>
-    <ds:schemaRef ds:uri="http://schemas.microsoft.com/office/2006/metadata/properties"/>
-    <ds:schemaRef ds:uri="http://schemas.microsoft.com/office/infopath/2007/PartnerControls"/>
-    <ds:schemaRef ds:uri="71af3243-3dd4-4a8d-8c0d-dd76da1f02a5"/>
-  </ds:schemaRefs>
-</ds:datastoreItem>
-</file>
-
 <file path=customXml/itemProps3.xml><?xml version="1.0" encoding="utf-8"?>
 <ds:datastoreItem xmlns:ds="http://schemas.openxmlformats.org/officeDocument/2006/customXml" ds:itemID="{5CA875DA-F9FD-4F83-A049-3B1027B542DE}">
   <ds:schemaRefs>
